--- a/make_presentation/templates/templates/classic/_44.pptx
+++ b/make_presentation/templates/templates/classic/_44.pptx
@@ -335,7 +335,7 @@
             <a:pPr algn="r">
               <a:buNone/>
             </a:pPr>
-            <a:fld id="{308ACAC0-F90D-44B5-986A-75EA501375FF}" type="slidenum">
+            <a:fld id="{1F0BC6EA-32F4-4D15-BA60-8460956C3EE1}" type="slidenum">
               <a:rPr b="0" lang="en-US" sz="1400" spc="-1" strike="noStrike">
                 <a:latin typeface="Times New Roman"/>
               </a:rPr>
@@ -383,7 +383,7 @@
         <p:spPr>
           <a:xfrm>
             <a:off x="380880" y="685800"/>
-            <a:ext cx="6090840" cy="3423960"/>
+            <a:ext cx="6090480" cy="3423600"/>
           </a:xfrm>
           <a:prstGeom prst="rect">
             <a:avLst/>
@@ -406,7 +406,7 @@
         <p:spPr>
           <a:xfrm>
             <a:off x="685800" y="4343400"/>
-            <a:ext cx="5481360" cy="4109760"/>
+            <a:ext cx="5481000" cy="4109400"/>
           </a:xfrm>
           <a:prstGeom prst="rect">
             <a:avLst/>
@@ -440,7 +440,7 @@
         <p:spPr>
           <a:xfrm>
             <a:off x="3884760" y="8685360"/>
-            <a:ext cx="2966760" cy="452160"/>
+            <a:ext cx="2966400" cy="451800"/>
           </a:xfrm>
           <a:prstGeom prst="rect">
             <a:avLst/>
@@ -476,7 +476,7 @@
               </a:lnSpc>
               <a:buNone/>
             </a:pPr>
-            <a:fld id="{C04DDCCD-97C5-46B1-8C81-979E8E01ECBC}" type="slidenum">
+            <a:fld id="{F92E330C-42B6-4F1D-8D39-7C0750595739}" type="slidenum">
               <a:rPr b="0" lang="en-US" sz="1200" spc="-1" strike="noStrike">
                 <a:solidFill>
                   <a:srgbClr val="000000"/>
@@ -527,7 +527,7 @@
         <p:spPr>
           <a:xfrm>
             <a:off x="380880" y="685800"/>
-            <a:ext cx="6090840" cy="3423960"/>
+            <a:ext cx="6090480" cy="3423600"/>
           </a:xfrm>
           <a:prstGeom prst="rect">
             <a:avLst/>
@@ -550,7 +550,7 @@
         <p:spPr>
           <a:xfrm>
             <a:off x="685800" y="4343400"/>
-            <a:ext cx="5481360" cy="4109760"/>
+            <a:ext cx="5481000" cy="4109400"/>
           </a:xfrm>
           <a:prstGeom prst="rect">
             <a:avLst/>
@@ -584,7 +584,7 @@
         <p:spPr>
           <a:xfrm>
             <a:off x="3884760" y="8685360"/>
-            <a:ext cx="2966760" cy="452160"/>
+            <a:ext cx="2966400" cy="451800"/>
           </a:xfrm>
           <a:prstGeom prst="rect">
             <a:avLst/>
@@ -620,7 +620,7 @@
               </a:lnSpc>
               <a:buNone/>
             </a:pPr>
-            <a:fld id="{2893BBDA-8A4C-4FA8-B97C-B062035CB352}" type="slidenum">
+            <a:fld id="{954BFFF4-1872-46F8-836C-F6E642843521}" type="slidenum">
               <a:rPr b="0" lang="en-US" sz="1200" spc="-1" strike="noStrike">
                 <a:solidFill>
                   <a:srgbClr val="000000"/>
@@ -671,7 +671,7 @@
         <p:spPr>
           <a:xfrm>
             <a:off x="380880" y="685800"/>
-            <a:ext cx="6090840" cy="3423960"/>
+            <a:ext cx="6090480" cy="3423600"/>
           </a:xfrm>
           <a:prstGeom prst="rect">
             <a:avLst/>
@@ -694,7 +694,7 @@
         <p:spPr>
           <a:xfrm>
             <a:off x="685800" y="4343400"/>
-            <a:ext cx="5481360" cy="4109760"/>
+            <a:ext cx="5481000" cy="4109400"/>
           </a:xfrm>
           <a:prstGeom prst="rect">
             <a:avLst/>
@@ -728,7 +728,7 @@
         <p:spPr>
           <a:xfrm>
             <a:off x="3884760" y="8685360"/>
-            <a:ext cx="2966760" cy="452160"/>
+            <a:ext cx="2966400" cy="451800"/>
           </a:xfrm>
           <a:prstGeom prst="rect">
             <a:avLst/>
@@ -764,7 +764,7 @@
               </a:lnSpc>
               <a:buNone/>
             </a:pPr>
-            <a:fld id="{F7268079-828D-4A0D-A1EB-1684F75DDF31}" type="slidenum">
+            <a:fld id="{534BF1AD-C202-4BF0-9A61-A89C3D9DA406}" type="slidenum">
               <a:rPr b="0" lang="en-US" sz="1200" spc="-1" strike="noStrike">
                 <a:solidFill>
                   <a:srgbClr val="000000"/>
@@ -815,7 +815,7 @@
         <p:spPr>
           <a:xfrm>
             <a:off x="380880" y="685800"/>
-            <a:ext cx="6090840" cy="3423960"/>
+            <a:ext cx="6090480" cy="3423600"/>
           </a:xfrm>
           <a:prstGeom prst="rect">
             <a:avLst/>
@@ -838,7 +838,7 @@
         <p:spPr>
           <a:xfrm>
             <a:off x="685800" y="4343400"/>
-            <a:ext cx="5481360" cy="4109760"/>
+            <a:ext cx="5481000" cy="4109400"/>
           </a:xfrm>
           <a:prstGeom prst="rect">
             <a:avLst/>
@@ -872,7 +872,7 @@
         <p:spPr>
           <a:xfrm>
             <a:off x="3884760" y="8685360"/>
-            <a:ext cx="2966760" cy="452160"/>
+            <a:ext cx="2966400" cy="451800"/>
           </a:xfrm>
           <a:prstGeom prst="rect">
             <a:avLst/>
@@ -908,7 +908,7 @@
               </a:lnSpc>
               <a:buNone/>
             </a:pPr>
-            <a:fld id="{C4B852E3-C337-46B6-9C69-F202378B10DF}" type="slidenum">
+            <a:fld id="{146AF5BD-89E6-4DD9-8682-082386057D9F}" type="slidenum">
               <a:rPr b="0" lang="en-US" sz="1200" spc="-1" strike="noStrike">
                 <a:solidFill>
                   <a:srgbClr val="000000"/>
@@ -959,7 +959,7 @@
         <p:spPr>
           <a:xfrm>
             <a:off x="380880" y="685800"/>
-            <a:ext cx="6090840" cy="3423960"/>
+            <a:ext cx="6090480" cy="3423600"/>
           </a:xfrm>
           <a:prstGeom prst="rect">
             <a:avLst/>
@@ -982,7 +982,7 @@
         <p:spPr>
           <a:xfrm>
             <a:off x="685800" y="4343400"/>
-            <a:ext cx="5481360" cy="4109760"/>
+            <a:ext cx="5481000" cy="4109400"/>
           </a:xfrm>
           <a:prstGeom prst="rect">
             <a:avLst/>
@@ -1016,7 +1016,7 @@
         <p:spPr>
           <a:xfrm>
             <a:off x="3884760" y="8685360"/>
-            <a:ext cx="2966760" cy="452160"/>
+            <a:ext cx="2966400" cy="451800"/>
           </a:xfrm>
           <a:prstGeom prst="rect">
             <a:avLst/>
@@ -1052,7 +1052,7 @@
               </a:lnSpc>
               <a:buNone/>
             </a:pPr>
-            <a:fld id="{8FCE13AC-EC1D-4A12-B220-12706C2EFC55}" type="slidenum">
+            <a:fld id="{60240FBD-6987-420F-BD1C-3970F6154ACD}" type="slidenum">
               <a:rPr b="0" lang="en-US" sz="1200" spc="-1" strike="noStrike">
                 <a:solidFill>
                   <a:srgbClr val="000000"/>
@@ -1103,7 +1103,7 @@
         <p:spPr>
           <a:xfrm>
             <a:off x="380880" y="685800"/>
-            <a:ext cx="6090840" cy="3423960"/>
+            <a:ext cx="6090480" cy="3423600"/>
           </a:xfrm>
           <a:prstGeom prst="rect">
             <a:avLst/>
@@ -1126,7 +1126,7 @@
         <p:spPr>
           <a:xfrm>
             <a:off x="685800" y="4343400"/>
-            <a:ext cx="5481360" cy="4109760"/>
+            <a:ext cx="5481000" cy="4109400"/>
           </a:xfrm>
           <a:prstGeom prst="rect">
             <a:avLst/>
@@ -1160,7 +1160,7 @@
         <p:spPr>
           <a:xfrm>
             <a:off x="3884760" y="8685360"/>
-            <a:ext cx="2966760" cy="452160"/>
+            <a:ext cx="2966400" cy="451800"/>
           </a:xfrm>
           <a:prstGeom prst="rect">
             <a:avLst/>
@@ -1196,7 +1196,7 @@
               </a:lnSpc>
               <a:buNone/>
             </a:pPr>
-            <a:fld id="{0591B24E-EE28-4719-A21C-B2E24CCDE89E}" type="slidenum">
+            <a:fld id="{8E1CD68C-3913-4958-AE76-53A5437CD424}" type="slidenum">
               <a:rPr b="0" lang="en-US" sz="1200" spc="-1" strike="noStrike">
                 <a:solidFill>
                   <a:srgbClr val="000000"/>
@@ -1247,7 +1247,7 @@
         <p:spPr>
           <a:xfrm>
             <a:off x="380880" y="685800"/>
-            <a:ext cx="6090840" cy="3423960"/>
+            <a:ext cx="6090480" cy="3423600"/>
           </a:xfrm>
           <a:prstGeom prst="rect">
             <a:avLst/>
@@ -1270,7 +1270,7 @@
         <p:spPr>
           <a:xfrm>
             <a:off x="685800" y="4343400"/>
-            <a:ext cx="5481360" cy="4109760"/>
+            <a:ext cx="5481000" cy="4109400"/>
           </a:xfrm>
           <a:prstGeom prst="rect">
             <a:avLst/>
@@ -1304,7 +1304,7 @@
         <p:spPr>
           <a:xfrm>
             <a:off x="3884760" y="8685360"/>
-            <a:ext cx="2966760" cy="452160"/>
+            <a:ext cx="2966400" cy="451800"/>
           </a:xfrm>
           <a:prstGeom prst="rect">
             <a:avLst/>
@@ -1340,7 +1340,7 @@
               </a:lnSpc>
               <a:buNone/>
             </a:pPr>
-            <a:fld id="{4F25A663-EAF4-4741-8DD8-2C9AAA50CB89}" type="slidenum">
+            <a:fld id="{20F9A0CE-7EF7-4D21-957F-22847471CB3D}" type="slidenum">
               <a:rPr b="0" lang="en-US" sz="1200" spc="-1" strike="noStrike">
                 <a:solidFill>
                   <a:srgbClr val="000000"/>
@@ -1391,7 +1391,7 @@
         <p:spPr>
           <a:xfrm>
             <a:off x="380880" y="685800"/>
-            <a:ext cx="6090840" cy="3423960"/>
+            <a:ext cx="6090480" cy="3423600"/>
           </a:xfrm>
           <a:prstGeom prst="rect">
             <a:avLst/>
@@ -1414,7 +1414,7 @@
         <p:spPr>
           <a:xfrm>
             <a:off x="685800" y="4343400"/>
-            <a:ext cx="5481360" cy="4109760"/>
+            <a:ext cx="5481000" cy="4109400"/>
           </a:xfrm>
           <a:prstGeom prst="rect">
             <a:avLst/>
@@ -1448,7 +1448,7 @@
         <p:spPr>
           <a:xfrm>
             <a:off x="3884760" y="8685360"/>
-            <a:ext cx="2966760" cy="452160"/>
+            <a:ext cx="2966400" cy="451800"/>
           </a:xfrm>
           <a:prstGeom prst="rect">
             <a:avLst/>
@@ -1484,7 +1484,7 @@
               </a:lnSpc>
               <a:buNone/>
             </a:pPr>
-            <a:fld id="{89339423-75C8-4FA3-9167-49167981E794}" type="slidenum">
+            <a:fld id="{0CA0B99F-65AA-4EE1-9A55-F63E9A0208C1}" type="slidenum">
               <a:rPr b="0" lang="en-US" sz="1200" spc="-1" strike="noStrike">
                 <a:solidFill>
                   <a:srgbClr val="000000"/>
@@ -1535,7 +1535,7 @@
         <p:spPr>
           <a:xfrm>
             <a:off x="380880" y="685800"/>
-            <a:ext cx="6090840" cy="3423960"/>
+            <a:ext cx="6090480" cy="3423600"/>
           </a:xfrm>
           <a:prstGeom prst="rect">
             <a:avLst/>
@@ -1558,7 +1558,7 @@
         <p:spPr>
           <a:xfrm>
             <a:off x="685800" y="4343400"/>
-            <a:ext cx="5481360" cy="4109760"/>
+            <a:ext cx="5481000" cy="4109400"/>
           </a:xfrm>
           <a:prstGeom prst="rect">
             <a:avLst/>
@@ -1592,7 +1592,7 @@
         <p:spPr>
           <a:xfrm>
             <a:off x="3884760" y="8685360"/>
-            <a:ext cx="2966760" cy="452160"/>
+            <a:ext cx="2966400" cy="451800"/>
           </a:xfrm>
           <a:prstGeom prst="rect">
             <a:avLst/>
@@ -1628,7 +1628,7 @@
               </a:lnSpc>
               <a:buNone/>
             </a:pPr>
-            <a:fld id="{CF9D0014-5A8E-4F33-9234-861A053A32F4}" type="slidenum">
+            <a:fld id="{980316AB-9006-412F-BB9D-596B40FFB6DC}" type="slidenum">
               <a:rPr b="0" lang="en-US" sz="1200" spc="-1" strike="noStrike">
                 <a:solidFill>
                   <a:srgbClr val="000000"/>
@@ -1679,7 +1679,7 @@
         <p:spPr>
           <a:xfrm>
             <a:off x="380880" y="685800"/>
-            <a:ext cx="6090840" cy="3423960"/>
+            <a:ext cx="6090480" cy="3423600"/>
           </a:xfrm>
           <a:prstGeom prst="rect">
             <a:avLst/>
@@ -1702,7 +1702,7 @@
         <p:spPr>
           <a:xfrm>
             <a:off x="685800" y="4343400"/>
-            <a:ext cx="5481360" cy="4109760"/>
+            <a:ext cx="5481000" cy="4109400"/>
           </a:xfrm>
           <a:prstGeom prst="rect">
             <a:avLst/>
@@ -1736,7 +1736,7 @@
         <p:spPr>
           <a:xfrm>
             <a:off x="3884760" y="8685360"/>
-            <a:ext cx="2966760" cy="452160"/>
+            <a:ext cx="2966400" cy="451800"/>
           </a:xfrm>
           <a:prstGeom prst="rect">
             <a:avLst/>
@@ -1772,7 +1772,7 @@
               </a:lnSpc>
               <a:buNone/>
             </a:pPr>
-            <a:fld id="{7B7982A2-2D8B-41AF-8678-F45F3E8A6105}" type="slidenum">
+            <a:fld id="{1F9B40FA-0691-4C39-959E-FE09488D0441}" type="slidenum">
               <a:rPr b="0" lang="en-US" sz="1200" spc="-1" strike="noStrike">
                 <a:solidFill>
                   <a:srgbClr val="000000"/>
@@ -1823,7 +1823,7 @@
         <p:spPr>
           <a:xfrm>
             <a:off x="380880" y="685800"/>
-            <a:ext cx="6090840" cy="3423960"/>
+            <a:ext cx="6090480" cy="3423600"/>
           </a:xfrm>
           <a:prstGeom prst="rect">
             <a:avLst/>
@@ -1846,7 +1846,7 @@
         <p:spPr>
           <a:xfrm>
             <a:off x="685800" y="4343400"/>
-            <a:ext cx="5481360" cy="4109760"/>
+            <a:ext cx="5481000" cy="4109400"/>
           </a:xfrm>
           <a:prstGeom prst="rect">
             <a:avLst/>
@@ -1880,7 +1880,7 @@
         <p:spPr>
           <a:xfrm>
             <a:off x="3884760" y="8685360"/>
-            <a:ext cx="2966760" cy="452160"/>
+            <a:ext cx="2966400" cy="451800"/>
           </a:xfrm>
           <a:prstGeom prst="rect">
             <a:avLst/>
@@ -1916,7 +1916,7 @@
               </a:lnSpc>
               <a:buNone/>
             </a:pPr>
-            <a:fld id="{686F6C7F-2240-4A7D-B77D-6F972E615A62}" type="slidenum">
+            <a:fld id="{939909D0-80F1-4425-A4B8-E36795A8352A}" type="slidenum">
               <a:rPr b="0" lang="en-US" sz="1200" spc="-1" strike="noStrike">
                 <a:solidFill>
                   <a:srgbClr val="000000"/>
@@ -1967,7 +1967,7 @@
         <p:spPr>
           <a:xfrm>
             <a:off x="380880" y="685800"/>
-            <a:ext cx="6090840" cy="3423960"/>
+            <a:ext cx="6090480" cy="3423600"/>
           </a:xfrm>
           <a:prstGeom prst="rect">
             <a:avLst/>
@@ -1990,7 +1990,7 @@
         <p:spPr>
           <a:xfrm>
             <a:off x="685800" y="4343400"/>
-            <a:ext cx="5481360" cy="4109760"/>
+            <a:ext cx="5481000" cy="4109400"/>
           </a:xfrm>
           <a:prstGeom prst="rect">
             <a:avLst/>
@@ -2024,7 +2024,7 @@
         <p:spPr>
           <a:xfrm>
             <a:off x="3884760" y="8685360"/>
-            <a:ext cx="2966760" cy="452160"/>
+            <a:ext cx="2966400" cy="451800"/>
           </a:xfrm>
           <a:prstGeom prst="rect">
             <a:avLst/>
@@ -2060,7 +2060,7 @@
               </a:lnSpc>
               <a:buNone/>
             </a:pPr>
-            <a:fld id="{EA164DCA-B5EE-4105-B934-B7688F7E492E}" type="slidenum">
+            <a:fld id="{7628CE67-00A2-4B7D-9509-647813C84A48}" type="slidenum">
               <a:rPr b="0" lang="en-US" sz="1200" spc="-1" strike="noStrike">
                 <a:solidFill>
                   <a:srgbClr val="000000"/>
@@ -2111,7 +2111,7 @@
         <p:spPr>
           <a:xfrm>
             <a:off x="380880" y="685800"/>
-            <a:ext cx="6090840" cy="3423960"/>
+            <a:ext cx="6090480" cy="3423600"/>
           </a:xfrm>
           <a:prstGeom prst="rect">
             <a:avLst/>
@@ -2134,7 +2134,7 @@
         <p:spPr>
           <a:xfrm>
             <a:off x="685800" y="4343400"/>
-            <a:ext cx="5481360" cy="4109760"/>
+            <a:ext cx="5481000" cy="4109400"/>
           </a:xfrm>
           <a:prstGeom prst="rect">
             <a:avLst/>
@@ -2168,7 +2168,7 @@
         <p:spPr>
           <a:xfrm>
             <a:off x="3884760" y="8685360"/>
-            <a:ext cx="2966760" cy="452160"/>
+            <a:ext cx="2966400" cy="451800"/>
           </a:xfrm>
           <a:prstGeom prst="rect">
             <a:avLst/>
@@ -2204,7 +2204,7 @@
               </a:lnSpc>
               <a:buNone/>
             </a:pPr>
-            <a:fld id="{125F0100-6873-4380-9926-990F0625A705}" type="slidenum">
+            <a:fld id="{FAFEF8A4-3A60-4DF9-99F9-9AB26E871DB0}" type="slidenum">
               <a:rPr b="0" lang="en-US" sz="1200" spc="-1" strike="noStrike">
                 <a:solidFill>
                   <a:srgbClr val="000000"/>
@@ -2255,7 +2255,7 @@
         <p:spPr>
           <a:xfrm>
             <a:off x="380880" y="685800"/>
-            <a:ext cx="6090840" cy="3423960"/>
+            <a:ext cx="6090480" cy="3423600"/>
           </a:xfrm>
           <a:prstGeom prst="rect">
             <a:avLst/>
@@ -2278,7 +2278,7 @@
         <p:spPr>
           <a:xfrm>
             <a:off x="685800" y="4343400"/>
-            <a:ext cx="5481360" cy="4109760"/>
+            <a:ext cx="5481000" cy="4109400"/>
           </a:xfrm>
           <a:prstGeom prst="rect">
             <a:avLst/>
@@ -2312,7 +2312,7 @@
         <p:spPr>
           <a:xfrm>
             <a:off x="3884760" y="8685360"/>
-            <a:ext cx="2966760" cy="452160"/>
+            <a:ext cx="2966400" cy="451800"/>
           </a:xfrm>
           <a:prstGeom prst="rect">
             <a:avLst/>
@@ -2348,7 +2348,7 @@
               </a:lnSpc>
               <a:buNone/>
             </a:pPr>
-            <a:fld id="{79CA7239-54B0-42EF-B5CF-C50F72F03A19}" type="slidenum">
+            <a:fld id="{9E1ED39D-88ED-4647-97B4-DEFA78BCD873}" type="slidenum">
               <a:rPr b="0" lang="en-US" sz="1200" spc="-1" strike="noStrike">
                 <a:solidFill>
                   <a:srgbClr val="000000"/>
@@ -2399,7 +2399,7 @@
         <p:spPr>
           <a:xfrm>
             <a:off x="380880" y="685800"/>
-            <a:ext cx="6090840" cy="3423960"/>
+            <a:ext cx="6090480" cy="3423600"/>
           </a:xfrm>
           <a:prstGeom prst="rect">
             <a:avLst/>
@@ -2422,7 +2422,7 @@
         <p:spPr>
           <a:xfrm>
             <a:off x="685800" y="4343400"/>
-            <a:ext cx="5481360" cy="4109760"/>
+            <a:ext cx="5481000" cy="4109400"/>
           </a:xfrm>
           <a:prstGeom prst="rect">
             <a:avLst/>
@@ -2456,7 +2456,7 @@
         <p:spPr>
           <a:xfrm>
             <a:off x="3884760" y="8685360"/>
-            <a:ext cx="2966760" cy="452160"/>
+            <a:ext cx="2966400" cy="451800"/>
           </a:xfrm>
           <a:prstGeom prst="rect">
             <a:avLst/>
@@ -2492,7 +2492,7 @@
               </a:lnSpc>
               <a:buNone/>
             </a:pPr>
-            <a:fld id="{E7568F9E-37DD-4E3D-A5BC-4A8EB82E62AD}" type="slidenum">
+            <a:fld id="{3931EEC6-7BBD-4B8B-A039-59EEFC13E30B}" type="slidenum">
               <a:rPr b="0" lang="en-US" sz="1200" spc="-1" strike="noStrike">
                 <a:solidFill>
                   <a:srgbClr val="000000"/>
@@ -2543,7 +2543,7 @@
         <p:spPr>
           <a:xfrm>
             <a:off x="380880" y="685800"/>
-            <a:ext cx="6090840" cy="3423960"/>
+            <a:ext cx="6090480" cy="3423600"/>
           </a:xfrm>
           <a:prstGeom prst="rect">
             <a:avLst/>
@@ -2566,7 +2566,7 @@
         <p:spPr>
           <a:xfrm>
             <a:off x="685800" y="4343400"/>
-            <a:ext cx="5481360" cy="4109760"/>
+            <a:ext cx="5481000" cy="4109400"/>
           </a:xfrm>
           <a:prstGeom prst="rect">
             <a:avLst/>
@@ -2600,7 +2600,7 @@
         <p:spPr>
           <a:xfrm>
             <a:off x="3884760" y="8685360"/>
-            <a:ext cx="2966760" cy="452160"/>
+            <a:ext cx="2966400" cy="451800"/>
           </a:xfrm>
           <a:prstGeom prst="rect">
             <a:avLst/>
@@ -2636,7 +2636,7 @@
               </a:lnSpc>
               <a:buNone/>
             </a:pPr>
-            <a:fld id="{128BA257-9267-4739-B61A-6058C43D9E76}" type="slidenum">
+            <a:fld id="{C32813D9-FBF1-45E6-916F-E629E9DDF148}" type="slidenum">
               <a:rPr b="0" lang="en-US" sz="1200" spc="-1" strike="noStrike">
                 <a:solidFill>
                   <a:srgbClr val="000000"/>
@@ -2687,7 +2687,7 @@
         <p:spPr>
           <a:xfrm>
             <a:off x="380880" y="685800"/>
-            <a:ext cx="6090840" cy="3423960"/>
+            <a:ext cx="6090480" cy="3423600"/>
           </a:xfrm>
           <a:prstGeom prst="rect">
             <a:avLst/>
@@ -2710,7 +2710,7 @@
         <p:spPr>
           <a:xfrm>
             <a:off x="685800" y="4343400"/>
-            <a:ext cx="5481360" cy="4109760"/>
+            <a:ext cx="5481000" cy="4109400"/>
           </a:xfrm>
           <a:prstGeom prst="rect">
             <a:avLst/>
@@ -2744,7 +2744,7 @@
         <p:spPr>
           <a:xfrm>
             <a:off x="3884760" y="8685360"/>
-            <a:ext cx="2966760" cy="452160"/>
+            <a:ext cx="2966400" cy="451800"/>
           </a:xfrm>
           <a:prstGeom prst="rect">
             <a:avLst/>
@@ -2780,7 +2780,7 @@
               </a:lnSpc>
               <a:buNone/>
             </a:pPr>
-            <a:fld id="{219E31D2-BCC1-44F1-BBBF-B2FB23842965}" type="slidenum">
+            <a:fld id="{3930BAD1-DF5E-4098-AFA9-477042FB42DF}" type="slidenum">
               <a:rPr b="0" lang="en-US" sz="1200" spc="-1" strike="noStrike">
                 <a:solidFill>
                   <a:srgbClr val="000000"/>
@@ -2831,7 +2831,7 @@
         <p:spPr>
           <a:xfrm>
             <a:off x="380880" y="685800"/>
-            <a:ext cx="6090840" cy="3423960"/>
+            <a:ext cx="6090480" cy="3423600"/>
           </a:xfrm>
           <a:prstGeom prst="rect">
             <a:avLst/>
@@ -2854,7 +2854,7 @@
         <p:spPr>
           <a:xfrm>
             <a:off x="685800" y="4343400"/>
-            <a:ext cx="5481360" cy="4109760"/>
+            <a:ext cx="5481000" cy="4109400"/>
           </a:xfrm>
           <a:prstGeom prst="rect">
             <a:avLst/>
@@ -2888,7 +2888,7 @@
         <p:spPr>
           <a:xfrm>
             <a:off x="3884760" y="8685360"/>
-            <a:ext cx="2966760" cy="452160"/>
+            <a:ext cx="2966400" cy="451800"/>
           </a:xfrm>
           <a:prstGeom prst="rect">
             <a:avLst/>
@@ -2924,7 +2924,7 @@
               </a:lnSpc>
               <a:buNone/>
             </a:pPr>
-            <a:fld id="{CF831BA4-2E62-4E16-9462-0E8BD4B55ACE}" type="slidenum">
+            <a:fld id="{33FDAEF2-DB4D-410A-BCBD-C12DFDE53761}" type="slidenum">
               <a:rPr b="0" lang="en-US" sz="1200" spc="-1" strike="noStrike">
                 <a:solidFill>
                   <a:srgbClr val="000000"/>
@@ -2975,7 +2975,7 @@
         <p:spPr>
           <a:xfrm>
             <a:off x="380880" y="685800"/>
-            <a:ext cx="6090840" cy="3423960"/>
+            <a:ext cx="6090480" cy="3423600"/>
           </a:xfrm>
           <a:prstGeom prst="rect">
             <a:avLst/>
@@ -2998,7 +2998,7 @@
         <p:spPr>
           <a:xfrm>
             <a:off x="685800" y="4343400"/>
-            <a:ext cx="5481360" cy="4109760"/>
+            <a:ext cx="5481000" cy="4109400"/>
           </a:xfrm>
           <a:prstGeom prst="rect">
             <a:avLst/>
@@ -3032,7 +3032,7 @@
         <p:spPr>
           <a:xfrm>
             <a:off x="3884760" y="8685360"/>
-            <a:ext cx="2966760" cy="452160"/>
+            <a:ext cx="2966400" cy="451800"/>
           </a:xfrm>
           <a:prstGeom prst="rect">
             <a:avLst/>
@@ -3068,7 +3068,7 @@
               </a:lnSpc>
               <a:buNone/>
             </a:pPr>
-            <a:fld id="{D85622BC-7ABF-4120-83FB-0185D0D1684A}" type="slidenum">
+            <a:fld id="{06630C76-88CB-4639-AAF2-9FA63AB463E6}" type="slidenum">
               <a:rPr b="0" lang="en-US" sz="1200" spc="-1" strike="noStrike">
                 <a:solidFill>
                   <a:srgbClr val="000000"/>
@@ -3119,7 +3119,7 @@
         <p:spPr>
           <a:xfrm>
             <a:off x="380880" y="685800"/>
-            <a:ext cx="6090840" cy="3423960"/>
+            <a:ext cx="6090480" cy="3423600"/>
           </a:xfrm>
           <a:prstGeom prst="rect">
             <a:avLst/>
@@ -3142,7 +3142,7 @@
         <p:spPr>
           <a:xfrm>
             <a:off x="685800" y="4343400"/>
-            <a:ext cx="5481360" cy="4109760"/>
+            <a:ext cx="5481000" cy="4109400"/>
           </a:xfrm>
           <a:prstGeom prst="rect">
             <a:avLst/>
@@ -3176,7 +3176,7 @@
         <p:spPr>
           <a:xfrm>
             <a:off x="3884760" y="8685360"/>
-            <a:ext cx="2966760" cy="452160"/>
+            <a:ext cx="2966400" cy="451800"/>
           </a:xfrm>
           <a:prstGeom prst="rect">
             <a:avLst/>
@@ -3212,7 +3212,7 @@
               </a:lnSpc>
               <a:buNone/>
             </a:pPr>
-            <a:fld id="{EA7EA9C6-4F00-48FA-8B19-44C2F9EEBED0}" type="slidenum">
+            <a:fld id="{86290ED9-89CA-4130-920C-2BD917E1C81A}" type="slidenum">
               <a:rPr b="0" lang="en-US" sz="1200" spc="-1" strike="noStrike">
                 <a:solidFill>
                   <a:srgbClr val="000000"/>
@@ -3263,7 +3263,7 @@
         <p:spPr>
           <a:xfrm>
             <a:off x="380880" y="685800"/>
-            <a:ext cx="6090840" cy="3423960"/>
+            <a:ext cx="6090480" cy="3423600"/>
           </a:xfrm>
           <a:prstGeom prst="rect">
             <a:avLst/>
@@ -3286,7 +3286,7 @@
         <p:spPr>
           <a:xfrm>
             <a:off x="685800" y="4343400"/>
-            <a:ext cx="5481360" cy="4109760"/>
+            <a:ext cx="5481000" cy="4109400"/>
           </a:xfrm>
           <a:prstGeom prst="rect">
             <a:avLst/>
@@ -3320,7 +3320,7 @@
         <p:spPr>
           <a:xfrm>
             <a:off x="3884760" y="8685360"/>
-            <a:ext cx="2966760" cy="452160"/>
+            <a:ext cx="2966400" cy="451800"/>
           </a:xfrm>
           <a:prstGeom prst="rect">
             <a:avLst/>
@@ -3356,7 +3356,7 @@
               </a:lnSpc>
               <a:buNone/>
             </a:pPr>
-            <a:fld id="{71717A35-D8CC-43DB-8622-E484F49EA9B4}" type="slidenum">
+            <a:fld id="{778AD0C5-DA60-4F3C-808C-10D668AD75B7}" type="slidenum">
               <a:rPr b="0" lang="en-US" sz="1200" spc="-1" strike="noStrike">
                 <a:solidFill>
                   <a:srgbClr val="000000"/>
@@ -3407,7 +3407,7 @@
         <p:spPr>
           <a:xfrm>
             <a:off x="380880" y="685800"/>
-            <a:ext cx="6090840" cy="3423960"/>
+            <a:ext cx="6090480" cy="3423600"/>
           </a:xfrm>
           <a:prstGeom prst="rect">
             <a:avLst/>
@@ -3430,7 +3430,7 @@
         <p:spPr>
           <a:xfrm>
             <a:off x="685800" y="4343400"/>
-            <a:ext cx="5481360" cy="4109760"/>
+            <a:ext cx="5481000" cy="4109400"/>
           </a:xfrm>
           <a:prstGeom prst="rect">
             <a:avLst/>
@@ -3464,7 +3464,7 @@
         <p:spPr>
           <a:xfrm>
             <a:off x="3884760" y="8685360"/>
-            <a:ext cx="2966760" cy="452160"/>
+            <a:ext cx="2966400" cy="451800"/>
           </a:xfrm>
           <a:prstGeom prst="rect">
             <a:avLst/>
@@ -3500,7 +3500,7 @@
               </a:lnSpc>
               <a:buNone/>
             </a:pPr>
-            <a:fld id="{53CC38B0-5FDA-4C72-B203-FCD9868BC5BE}" type="slidenum">
+            <a:fld id="{F50ABFA4-35F4-47A0-910B-72B2132D2BA6}" type="slidenum">
               <a:rPr b="0" lang="en-US" sz="1200" spc="-1" strike="noStrike">
                 <a:solidFill>
                   <a:srgbClr val="000000"/>
@@ -3551,7 +3551,7 @@
         <p:spPr>
           <a:xfrm>
             <a:off x="380880" y="685800"/>
-            <a:ext cx="6090840" cy="3423960"/>
+            <a:ext cx="6090480" cy="3423600"/>
           </a:xfrm>
           <a:prstGeom prst="rect">
             <a:avLst/>
@@ -3574,7 +3574,7 @@
         <p:spPr>
           <a:xfrm>
             <a:off x="685800" y="4343400"/>
-            <a:ext cx="5481360" cy="4109760"/>
+            <a:ext cx="5481000" cy="4109400"/>
           </a:xfrm>
           <a:prstGeom prst="rect">
             <a:avLst/>
@@ -3608,7 +3608,7 @@
         <p:spPr>
           <a:xfrm>
             <a:off x="3884760" y="8685360"/>
-            <a:ext cx="2966760" cy="452160"/>
+            <a:ext cx="2966400" cy="451800"/>
           </a:xfrm>
           <a:prstGeom prst="rect">
             <a:avLst/>
@@ -3644,7 +3644,7 @@
               </a:lnSpc>
               <a:buNone/>
             </a:pPr>
-            <a:fld id="{10909542-5C1E-4393-AA5C-492243A14362}" type="slidenum">
+            <a:fld id="{B015843C-6A74-4B7C-BFB0-FDCCF1B90141}" type="slidenum">
               <a:rPr b="0" lang="en-US" sz="1200" spc="-1" strike="noStrike">
                 <a:solidFill>
                   <a:srgbClr val="000000"/>
@@ -3695,7 +3695,7 @@
         <p:spPr>
           <a:xfrm>
             <a:off x="380880" y="685800"/>
-            <a:ext cx="6090840" cy="3423960"/>
+            <a:ext cx="6090480" cy="3423600"/>
           </a:xfrm>
           <a:prstGeom prst="rect">
             <a:avLst/>
@@ -3718,7 +3718,7 @@
         <p:spPr>
           <a:xfrm>
             <a:off x="685800" y="4343400"/>
-            <a:ext cx="5481360" cy="4109760"/>
+            <a:ext cx="5481000" cy="4109400"/>
           </a:xfrm>
           <a:prstGeom prst="rect">
             <a:avLst/>
@@ -3752,7 +3752,7 @@
         <p:spPr>
           <a:xfrm>
             <a:off x="3884760" y="8685360"/>
-            <a:ext cx="2966760" cy="452160"/>
+            <a:ext cx="2966400" cy="451800"/>
           </a:xfrm>
           <a:prstGeom prst="rect">
             <a:avLst/>
@@ -3788,7 +3788,7 @@
               </a:lnSpc>
               <a:buNone/>
             </a:pPr>
-            <a:fld id="{A9B617FF-ECEC-4C32-9C4E-743B5D2274AD}" type="slidenum">
+            <a:fld id="{AAFEA7BA-CCCC-4340-A1E7-350472C00195}" type="slidenum">
               <a:rPr b="0" lang="en-US" sz="1200" spc="-1" strike="noStrike">
                 <a:solidFill>
                   <a:srgbClr val="000000"/>
@@ -3839,7 +3839,7 @@
         <p:spPr>
           <a:xfrm>
             <a:off x="380880" y="685800"/>
-            <a:ext cx="6090840" cy="3423960"/>
+            <a:ext cx="6090480" cy="3423600"/>
           </a:xfrm>
           <a:prstGeom prst="rect">
             <a:avLst/>
@@ -3862,7 +3862,7 @@
         <p:spPr>
           <a:xfrm>
             <a:off x="685800" y="4343400"/>
-            <a:ext cx="5481360" cy="4109760"/>
+            <a:ext cx="5481000" cy="4109400"/>
           </a:xfrm>
           <a:prstGeom prst="rect">
             <a:avLst/>
@@ -3896,7 +3896,7 @@
         <p:spPr>
           <a:xfrm>
             <a:off x="3884760" y="8685360"/>
-            <a:ext cx="2966760" cy="452160"/>
+            <a:ext cx="2966400" cy="451800"/>
           </a:xfrm>
           <a:prstGeom prst="rect">
             <a:avLst/>
@@ -3932,7 +3932,7 @@
               </a:lnSpc>
               <a:buNone/>
             </a:pPr>
-            <a:fld id="{780BC378-3BC2-4BC9-844E-433EFB01C43E}" type="slidenum">
+            <a:fld id="{A4C624D9-10F9-48AC-8E9F-C10FE4AB2DB1}" type="slidenum">
               <a:rPr b="0" lang="en-US" sz="1200" spc="-1" strike="noStrike">
                 <a:solidFill>
                   <a:srgbClr val="000000"/>
@@ -3983,7 +3983,7 @@
         <p:spPr>
           <a:xfrm>
             <a:off x="380880" y="685800"/>
-            <a:ext cx="6090840" cy="3423960"/>
+            <a:ext cx="6090480" cy="3423600"/>
           </a:xfrm>
           <a:prstGeom prst="rect">
             <a:avLst/>
@@ -4006,7 +4006,7 @@
         <p:spPr>
           <a:xfrm>
             <a:off x="685800" y="4343400"/>
-            <a:ext cx="5481360" cy="4109760"/>
+            <a:ext cx="5481000" cy="4109400"/>
           </a:xfrm>
           <a:prstGeom prst="rect">
             <a:avLst/>
@@ -4040,7 +4040,7 @@
         <p:spPr>
           <a:xfrm>
             <a:off x="3884760" y="8685360"/>
-            <a:ext cx="2966760" cy="452160"/>
+            <a:ext cx="2966400" cy="451800"/>
           </a:xfrm>
           <a:prstGeom prst="rect">
             <a:avLst/>
@@ -4076,7 +4076,7 @@
               </a:lnSpc>
               <a:buNone/>
             </a:pPr>
-            <a:fld id="{B2BF9650-3447-445B-9CAE-5EF0D7926EC0}" type="slidenum">
+            <a:fld id="{0B190772-6A89-440E-B617-CAEBA7A7F6B9}" type="slidenum">
               <a:rPr b="0" lang="en-US" sz="1200" spc="-1" strike="noStrike">
                 <a:solidFill>
                   <a:srgbClr val="000000"/>
@@ -4127,7 +4127,7 @@
         <p:spPr>
           <a:xfrm>
             <a:off x="380880" y="685800"/>
-            <a:ext cx="6090840" cy="3423960"/>
+            <a:ext cx="6090480" cy="3423600"/>
           </a:xfrm>
           <a:prstGeom prst="rect">
             <a:avLst/>
@@ -4150,7 +4150,7 @@
         <p:spPr>
           <a:xfrm>
             <a:off x="685800" y="4343400"/>
-            <a:ext cx="5481360" cy="4109760"/>
+            <a:ext cx="5481000" cy="4109400"/>
           </a:xfrm>
           <a:prstGeom prst="rect">
             <a:avLst/>
@@ -4184,7 +4184,7 @@
         <p:spPr>
           <a:xfrm>
             <a:off x="3884760" y="8685360"/>
-            <a:ext cx="2966760" cy="452160"/>
+            <a:ext cx="2966400" cy="451800"/>
           </a:xfrm>
           <a:prstGeom prst="rect">
             <a:avLst/>
@@ -4220,7 +4220,7 @@
               </a:lnSpc>
               <a:buNone/>
             </a:pPr>
-            <a:fld id="{BD2B8E68-1669-4086-BCBD-76CC11E78C73}" type="slidenum">
+            <a:fld id="{A48D7162-88B5-41E5-BE5B-57AECEEA618D}" type="slidenum">
               <a:rPr b="0" lang="en-US" sz="1200" spc="-1" strike="noStrike">
                 <a:solidFill>
                   <a:srgbClr val="000000"/>
@@ -4271,7 +4271,7 @@
         <p:spPr>
           <a:xfrm>
             <a:off x="380880" y="685800"/>
-            <a:ext cx="6090840" cy="3423960"/>
+            <a:ext cx="6090480" cy="3423600"/>
           </a:xfrm>
           <a:prstGeom prst="rect">
             <a:avLst/>
@@ -4294,7 +4294,7 @@
         <p:spPr>
           <a:xfrm>
             <a:off x="685800" y="4343400"/>
-            <a:ext cx="5481360" cy="4109760"/>
+            <a:ext cx="5481000" cy="4109400"/>
           </a:xfrm>
           <a:prstGeom prst="rect">
             <a:avLst/>
@@ -4328,7 +4328,7 @@
         <p:spPr>
           <a:xfrm>
             <a:off x="3884760" y="8685360"/>
-            <a:ext cx="2966760" cy="452160"/>
+            <a:ext cx="2966400" cy="451800"/>
           </a:xfrm>
           <a:prstGeom prst="rect">
             <a:avLst/>
@@ -4364,7 +4364,7 @@
               </a:lnSpc>
               <a:buNone/>
             </a:pPr>
-            <a:fld id="{D5FB29D3-7452-4287-AF61-422C46D4F336}" type="slidenum">
+            <a:fld id="{ED88DC74-3EEA-4997-8494-F78E4F6BDC5B}" type="slidenum">
               <a:rPr b="0" lang="en-US" sz="1200" spc="-1" strike="noStrike">
                 <a:solidFill>
                   <a:srgbClr val="000000"/>
@@ -4415,7 +4415,7 @@
         <p:spPr>
           <a:xfrm>
             <a:off x="380880" y="685800"/>
-            <a:ext cx="6090840" cy="3423960"/>
+            <a:ext cx="6090480" cy="3423600"/>
           </a:xfrm>
           <a:prstGeom prst="rect">
             <a:avLst/>
@@ -4438,7 +4438,7 @@
         <p:spPr>
           <a:xfrm>
             <a:off x="685800" y="4343400"/>
-            <a:ext cx="5481360" cy="4109760"/>
+            <a:ext cx="5481000" cy="4109400"/>
           </a:xfrm>
           <a:prstGeom prst="rect">
             <a:avLst/>
@@ -4472,7 +4472,7 @@
         <p:spPr>
           <a:xfrm>
             <a:off x="3884760" y="8685360"/>
-            <a:ext cx="2966760" cy="452160"/>
+            <a:ext cx="2966400" cy="451800"/>
           </a:xfrm>
           <a:prstGeom prst="rect">
             <a:avLst/>
@@ -4508,7 +4508,7 @@
               </a:lnSpc>
               <a:buNone/>
             </a:pPr>
-            <a:fld id="{EF3485BC-4207-4637-A163-E58355234010}" type="slidenum">
+            <a:fld id="{0FC78DEA-9260-47C2-AA9A-F17F593F3926}" type="slidenum">
               <a:rPr b="0" lang="en-US" sz="1200" spc="-1" strike="noStrike">
                 <a:solidFill>
                   <a:srgbClr val="000000"/>
@@ -4559,7 +4559,7 @@
         <p:spPr>
           <a:xfrm>
             <a:off x="380880" y="685800"/>
-            <a:ext cx="6090840" cy="3423960"/>
+            <a:ext cx="6090480" cy="3423600"/>
           </a:xfrm>
           <a:prstGeom prst="rect">
             <a:avLst/>
@@ -4582,7 +4582,7 @@
         <p:spPr>
           <a:xfrm>
             <a:off x="685800" y="4343400"/>
-            <a:ext cx="5481360" cy="4109760"/>
+            <a:ext cx="5481000" cy="4109400"/>
           </a:xfrm>
           <a:prstGeom prst="rect">
             <a:avLst/>
@@ -4616,7 +4616,7 @@
         <p:spPr>
           <a:xfrm>
             <a:off x="3884760" y="8685360"/>
-            <a:ext cx="2966760" cy="452160"/>
+            <a:ext cx="2966400" cy="451800"/>
           </a:xfrm>
           <a:prstGeom prst="rect">
             <a:avLst/>
@@ -4652,7 +4652,7 @@
               </a:lnSpc>
               <a:buNone/>
             </a:pPr>
-            <a:fld id="{93373890-4595-4B82-A438-8970ADAEF5BC}" type="slidenum">
+            <a:fld id="{26D32D1F-62E7-48ED-B5F6-48D9CDD14A7A}" type="slidenum">
               <a:rPr b="0" lang="en-US" sz="1200" spc="-1" strike="noStrike">
                 <a:solidFill>
                   <a:srgbClr val="000000"/>
@@ -4703,7 +4703,7 @@
         <p:spPr>
           <a:xfrm>
             <a:off x="380880" y="685800"/>
-            <a:ext cx="6090840" cy="3423960"/>
+            <a:ext cx="6090480" cy="3423600"/>
           </a:xfrm>
           <a:prstGeom prst="rect">
             <a:avLst/>
@@ -4726,7 +4726,7 @@
         <p:spPr>
           <a:xfrm>
             <a:off x="685800" y="4343400"/>
-            <a:ext cx="5481360" cy="4109760"/>
+            <a:ext cx="5481000" cy="4109400"/>
           </a:xfrm>
           <a:prstGeom prst="rect">
             <a:avLst/>
@@ -4760,7 +4760,7 @@
         <p:spPr>
           <a:xfrm>
             <a:off x="3884760" y="8685360"/>
-            <a:ext cx="2966760" cy="452160"/>
+            <a:ext cx="2966400" cy="451800"/>
           </a:xfrm>
           <a:prstGeom prst="rect">
             <a:avLst/>
@@ -4796,7 +4796,7 @@
               </a:lnSpc>
               <a:buNone/>
             </a:pPr>
-            <a:fld id="{11BE683C-1307-410B-B5B5-2CC344114E5D}" type="slidenum">
+            <a:fld id="{F80FDAA7-0EB3-44FD-A542-C24564FB2F5A}" type="slidenum">
               <a:rPr b="0" lang="en-US" sz="1200" spc="-1" strike="noStrike">
                 <a:solidFill>
                   <a:srgbClr val="000000"/>
@@ -4847,7 +4847,7 @@
         <p:spPr>
           <a:xfrm>
             <a:off x="380880" y="685800"/>
-            <a:ext cx="6090840" cy="3423960"/>
+            <a:ext cx="6090480" cy="3423600"/>
           </a:xfrm>
           <a:prstGeom prst="rect">
             <a:avLst/>
@@ -4870,7 +4870,7 @@
         <p:spPr>
           <a:xfrm>
             <a:off x="685800" y="4343400"/>
-            <a:ext cx="5481360" cy="4109760"/>
+            <a:ext cx="5481000" cy="4109400"/>
           </a:xfrm>
           <a:prstGeom prst="rect">
             <a:avLst/>
@@ -4904,7 +4904,7 @@
         <p:spPr>
           <a:xfrm>
             <a:off x="3884760" y="8685360"/>
-            <a:ext cx="2966760" cy="452160"/>
+            <a:ext cx="2966400" cy="451800"/>
           </a:xfrm>
           <a:prstGeom prst="rect">
             <a:avLst/>
@@ -4940,7 +4940,7 @@
               </a:lnSpc>
               <a:buNone/>
             </a:pPr>
-            <a:fld id="{68F51A31-EBED-43D1-87BE-97A91BA8FFE8}" type="slidenum">
+            <a:fld id="{A324453D-9CC8-4B78-A11A-08D68DAEF8F6}" type="slidenum">
               <a:rPr b="0" lang="en-US" sz="1200" spc="-1" strike="noStrike">
                 <a:solidFill>
                   <a:srgbClr val="000000"/>
@@ -4991,7 +4991,7 @@
         <p:spPr>
           <a:xfrm>
             <a:off x="380880" y="685800"/>
-            <a:ext cx="6090840" cy="3423960"/>
+            <a:ext cx="6090480" cy="3423600"/>
           </a:xfrm>
           <a:prstGeom prst="rect">
             <a:avLst/>
@@ -5014,7 +5014,7 @@
         <p:spPr>
           <a:xfrm>
             <a:off x="685800" y="4343400"/>
-            <a:ext cx="5481360" cy="4109760"/>
+            <a:ext cx="5481000" cy="4109400"/>
           </a:xfrm>
           <a:prstGeom prst="rect">
             <a:avLst/>
@@ -5048,7 +5048,7 @@
         <p:spPr>
           <a:xfrm>
             <a:off x="3884760" y="8685360"/>
-            <a:ext cx="2966760" cy="452160"/>
+            <a:ext cx="2966400" cy="451800"/>
           </a:xfrm>
           <a:prstGeom prst="rect">
             <a:avLst/>
@@ -5084,7 +5084,7 @@
               </a:lnSpc>
               <a:buNone/>
             </a:pPr>
-            <a:fld id="{D4659300-5F9B-4052-8629-BBAE7DE21AAB}" type="slidenum">
+            <a:fld id="{DC30ECDA-6DA1-4DEF-A380-8DAFF5820253}" type="slidenum">
               <a:rPr b="0" lang="en-US" sz="1200" spc="-1" strike="noStrike">
                 <a:solidFill>
                   <a:srgbClr val="000000"/>
@@ -5135,7 +5135,7 @@
         <p:spPr>
           <a:xfrm>
             <a:off x="380880" y="685800"/>
-            <a:ext cx="6090840" cy="3423960"/>
+            <a:ext cx="6090480" cy="3423600"/>
           </a:xfrm>
           <a:prstGeom prst="rect">
             <a:avLst/>
@@ -5158,7 +5158,7 @@
         <p:spPr>
           <a:xfrm>
             <a:off x="685800" y="4343400"/>
-            <a:ext cx="5481360" cy="4109760"/>
+            <a:ext cx="5481000" cy="4109400"/>
           </a:xfrm>
           <a:prstGeom prst="rect">
             <a:avLst/>
@@ -5192,7 +5192,7 @@
         <p:spPr>
           <a:xfrm>
             <a:off x="3884760" y="8685360"/>
-            <a:ext cx="2966760" cy="452160"/>
+            <a:ext cx="2966400" cy="451800"/>
           </a:xfrm>
           <a:prstGeom prst="rect">
             <a:avLst/>
@@ -5228,7 +5228,7 @@
               </a:lnSpc>
               <a:buNone/>
             </a:pPr>
-            <a:fld id="{A0622C95-F93B-4281-AAE8-D37D01493E48}" type="slidenum">
+            <a:fld id="{90F37BA7-5142-453E-AF2B-168FC12106F5}" type="slidenum">
               <a:rPr b="0" lang="en-US" sz="1200" spc="-1" strike="noStrike">
                 <a:solidFill>
                   <a:srgbClr val="000000"/>
@@ -5279,7 +5279,7 @@
         <p:spPr>
           <a:xfrm>
             <a:off x="380880" y="685800"/>
-            <a:ext cx="6090840" cy="3423960"/>
+            <a:ext cx="6090480" cy="3423600"/>
           </a:xfrm>
           <a:prstGeom prst="rect">
             <a:avLst/>
@@ -5302,7 +5302,7 @@
         <p:spPr>
           <a:xfrm>
             <a:off x="685800" y="4343400"/>
-            <a:ext cx="5481360" cy="4109760"/>
+            <a:ext cx="5481000" cy="4109400"/>
           </a:xfrm>
           <a:prstGeom prst="rect">
             <a:avLst/>
@@ -5336,7 +5336,7 @@
         <p:spPr>
           <a:xfrm>
             <a:off x="3884760" y="8685360"/>
-            <a:ext cx="2966760" cy="452160"/>
+            <a:ext cx="2966400" cy="451800"/>
           </a:xfrm>
           <a:prstGeom prst="rect">
             <a:avLst/>
@@ -5372,7 +5372,7 @@
               </a:lnSpc>
               <a:buNone/>
             </a:pPr>
-            <a:fld id="{D9C9AEF7-3968-4EA2-AB8A-501A2752A48F}" type="slidenum">
+            <a:fld id="{DB6D92E6-11D1-4246-8851-DEE623340078}" type="slidenum">
               <a:rPr b="0" lang="en-US" sz="1200" spc="-1" strike="noStrike">
                 <a:solidFill>
                   <a:srgbClr val="000000"/>
@@ -5423,7 +5423,7 @@
         <p:spPr>
           <a:xfrm>
             <a:off x="380880" y="685800"/>
-            <a:ext cx="6090840" cy="3423960"/>
+            <a:ext cx="6090480" cy="3423600"/>
           </a:xfrm>
           <a:prstGeom prst="rect">
             <a:avLst/>
@@ -5446,7 +5446,7 @@
         <p:spPr>
           <a:xfrm>
             <a:off x="685800" y="4343400"/>
-            <a:ext cx="5481360" cy="4109760"/>
+            <a:ext cx="5481000" cy="4109400"/>
           </a:xfrm>
           <a:prstGeom prst="rect">
             <a:avLst/>
@@ -5480,7 +5480,7 @@
         <p:spPr>
           <a:xfrm>
             <a:off x="3884760" y="8685360"/>
-            <a:ext cx="2966760" cy="452160"/>
+            <a:ext cx="2966400" cy="451800"/>
           </a:xfrm>
           <a:prstGeom prst="rect">
             <a:avLst/>
@@ -5516,7 +5516,7 @@
               </a:lnSpc>
               <a:buNone/>
             </a:pPr>
-            <a:fld id="{74F9B32C-425F-41FF-983E-65B7DE4FCFCB}" type="slidenum">
+            <a:fld id="{850BE964-DD27-42F3-8F4D-41FBC0C5FAE3}" type="slidenum">
               <a:rPr b="0" lang="en-US" sz="1200" spc="-1" strike="noStrike">
                 <a:solidFill>
                   <a:srgbClr val="000000"/>
@@ -5567,7 +5567,7 @@
         <p:spPr>
           <a:xfrm>
             <a:off x="380880" y="685800"/>
-            <a:ext cx="6090840" cy="3423960"/>
+            <a:ext cx="6090480" cy="3423600"/>
           </a:xfrm>
           <a:prstGeom prst="rect">
             <a:avLst/>
@@ -5590,7 +5590,7 @@
         <p:spPr>
           <a:xfrm>
             <a:off x="685800" y="4343400"/>
-            <a:ext cx="5481360" cy="4109760"/>
+            <a:ext cx="5481000" cy="4109400"/>
           </a:xfrm>
           <a:prstGeom prst="rect">
             <a:avLst/>
@@ -5624,7 +5624,7 @@
         <p:spPr>
           <a:xfrm>
             <a:off x="3884760" y="8685360"/>
-            <a:ext cx="2966760" cy="452160"/>
+            <a:ext cx="2966400" cy="451800"/>
           </a:xfrm>
           <a:prstGeom prst="rect">
             <a:avLst/>
@@ -5660,7 +5660,7 @@
               </a:lnSpc>
               <a:buNone/>
             </a:pPr>
-            <a:fld id="{3AA6E51C-ED22-4FC2-B576-59CBFEBEC308}" type="slidenum">
+            <a:fld id="{D3142C7D-A879-43BC-8534-0151BD5EB9AE}" type="slidenum">
               <a:rPr b="0" lang="en-US" sz="1200" spc="-1" strike="noStrike">
                 <a:solidFill>
                   <a:srgbClr val="000000"/>
@@ -5711,7 +5711,7 @@
         <p:spPr>
           <a:xfrm>
             <a:off x="380880" y="685800"/>
-            <a:ext cx="6090840" cy="3423960"/>
+            <a:ext cx="6090480" cy="3423600"/>
           </a:xfrm>
           <a:prstGeom prst="rect">
             <a:avLst/>
@@ -5734,7 +5734,7 @@
         <p:spPr>
           <a:xfrm>
             <a:off x="685800" y="4343400"/>
-            <a:ext cx="5481360" cy="4109760"/>
+            <a:ext cx="5481000" cy="4109400"/>
           </a:xfrm>
           <a:prstGeom prst="rect">
             <a:avLst/>
@@ -5768,7 +5768,7 @@
         <p:spPr>
           <a:xfrm>
             <a:off x="3884760" y="8685360"/>
-            <a:ext cx="2966760" cy="452160"/>
+            <a:ext cx="2966400" cy="451800"/>
           </a:xfrm>
           <a:prstGeom prst="rect">
             <a:avLst/>
@@ -5804,7 +5804,7 @@
               </a:lnSpc>
               <a:buNone/>
             </a:pPr>
-            <a:fld id="{08FAA05F-6FD3-4D1A-9285-9C1CF82EC469}" type="slidenum">
+            <a:fld id="{94A36307-1AC3-4087-822C-D979E393E39F}" type="slidenum">
               <a:rPr b="0" lang="en-US" sz="1200" spc="-1" strike="noStrike">
                 <a:solidFill>
                   <a:srgbClr val="000000"/>
@@ -5855,7 +5855,7 @@
         <p:spPr>
           <a:xfrm>
             <a:off x="380880" y="685800"/>
-            <a:ext cx="6090840" cy="3423960"/>
+            <a:ext cx="6090480" cy="3423600"/>
           </a:xfrm>
           <a:prstGeom prst="rect">
             <a:avLst/>
@@ -5878,7 +5878,7 @@
         <p:spPr>
           <a:xfrm>
             <a:off x="685800" y="4343400"/>
-            <a:ext cx="5481360" cy="4109760"/>
+            <a:ext cx="5481000" cy="4109400"/>
           </a:xfrm>
           <a:prstGeom prst="rect">
             <a:avLst/>
@@ -5912,7 +5912,7 @@
         <p:spPr>
           <a:xfrm>
             <a:off x="3884760" y="8685360"/>
-            <a:ext cx="2966760" cy="452160"/>
+            <a:ext cx="2966400" cy="451800"/>
           </a:xfrm>
           <a:prstGeom prst="rect">
             <a:avLst/>
@@ -5948,7 +5948,7 @@
               </a:lnSpc>
               <a:buNone/>
             </a:pPr>
-            <a:fld id="{EB42F1D2-36FA-4BD8-B585-0B61BDE7655F}" type="slidenum">
+            <a:fld id="{8CE84399-6361-4CFC-99A7-22A379DD4D42}" type="slidenum">
               <a:rPr b="0" lang="en-US" sz="1200" spc="-1" strike="noStrike">
                 <a:solidFill>
                   <a:srgbClr val="000000"/>
@@ -5999,7 +5999,7 @@
         <p:spPr>
           <a:xfrm>
             <a:off x="380880" y="685800"/>
-            <a:ext cx="6090840" cy="3423960"/>
+            <a:ext cx="6090480" cy="3423600"/>
           </a:xfrm>
           <a:prstGeom prst="rect">
             <a:avLst/>
@@ -6022,7 +6022,7 @@
         <p:spPr>
           <a:xfrm>
             <a:off x="685800" y="4343400"/>
-            <a:ext cx="5481360" cy="4109760"/>
+            <a:ext cx="5481000" cy="4109400"/>
           </a:xfrm>
           <a:prstGeom prst="rect">
             <a:avLst/>
@@ -6056,7 +6056,7 @@
         <p:spPr>
           <a:xfrm>
             <a:off x="3884760" y="8685360"/>
-            <a:ext cx="2966760" cy="452160"/>
+            <a:ext cx="2966400" cy="451800"/>
           </a:xfrm>
           <a:prstGeom prst="rect">
             <a:avLst/>
@@ -6092,7 +6092,7 @@
               </a:lnSpc>
               <a:buNone/>
             </a:pPr>
-            <a:fld id="{DC548DF2-E727-4728-92BE-7BB07B99A152}" type="slidenum">
+            <a:fld id="{BC99ADE3-CF63-4125-AE6F-1D9C4E1958B7}" type="slidenum">
               <a:rPr b="0" lang="en-US" sz="1200" spc="-1" strike="noStrike">
                 <a:solidFill>
                   <a:srgbClr val="000000"/>
@@ -6143,7 +6143,7 @@
         <p:spPr>
           <a:xfrm>
             <a:off x="380880" y="685800"/>
-            <a:ext cx="6090840" cy="3423960"/>
+            <a:ext cx="6090480" cy="3423600"/>
           </a:xfrm>
           <a:prstGeom prst="rect">
             <a:avLst/>
@@ -6166,7 +6166,7 @@
         <p:spPr>
           <a:xfrm>
             <a:off x="685800" y="4343400"/>
-            <a:ext cx="5481360" cy="4109760"/>
+            <a:ext cx="5481000" cy="4109400"/>
           </a:xfrm>
           <a:prstGeom prst="rect">
             <a:avLst/>
@@ -6200,7 +6200,7 @@
         <p:spPr>
           <a:xfrm>
             <a:off x="3884760" y="8685360"/>
-            <a:ext cx="2966760" cy="452160"/>
+            <a:ext cx="2966400" cy="451800"/>
           </a:xfrm>
           <a:prstGeom prst="rect">
             <a:avLst/>
@@ -6236,7 +6236,7 @@
               </a:lnSpc>
               <a:buNone/>
             </a:pPr>
-            <a:fld id="{540F5590-8B55-47B3-9D8B-4BD9E49ED64A}" type="slidenum">
+            <a:fld id="{74F9A42A-9B5C-4489-B849-08220E52AB07}" type="slidenum">
               <a:rPr b="0" lang="en-US" sz="1200" spc="-1" strike="noStrike">
                 <a:solidFill>
                   <a:srgbClr val="000000"/>
@@ -6287,7 +6287,7 @@
         <p:spPr>
           <a:xfrm>
             <a:off x="380880" y="685800"/>
-            <a:ext cx="6090840" cy="3423960"/>
+            <a:ext cx="6090480" cy="3423600"/>
           </a:xfrm>
           <a:prstGeom prst="rect">
             <a:avLst/>
@@ -6310,7 +6310,7 @@
         <p:spPr>
           <a:xfrm>
             <a:off x="685800" y="4343400"/>
-            <a:ext cx="5481360" cy="4109760"/>
+            <a:ext cx="5481000" cy="4109400"/>
           </a:xfrm>
           <a:prstGeom prst="rect">
             <a:avLst/>
@@ -6344,7 +6344,7 @@
         <p:spPr>
           <a:xfrm>
             <a:off x="3884760" y="8685360"/>
-            <a:ext cx="2966760" cy="452160"/>
+            <a:ext cx="2966400" cy="451800"/>
           </a:xfrm>
           <a:prstGeom prst="rect">
             <a:avLst/>
@@ -6380,7 +6380,7 @@
               </a:lnSpc>
               <a:buNone/>
             </a:pPr>
-            <a:fld id="{53BDD829-DAF0-41C5-9396-7D9D8155C8A2}" type="slidenum">
+            <a:fld id="{490C7035-E30E-4ECF-B247-BD101B2DE91B}" type="slidenum">
               <a:rPr b="0" lang="en-US" sz="1200" spc="-1" strike="noStrike">
                 <a:solidFill>
                   <a:srgbClr val="000000"/>
@@ -6431,7 +6431,7 @@
         <p:spPr>
           <a:xfrm>
             <a:off x="380880" y="685800"/>
-            <a:ext cx="6090840" cy="3423960"/>
+            <a:ext cx="6090480" cy="3423600"/>
           </a:xfrm>
           <a:prstGeom prst="rect">
             <a:avLst/>
@@ -6454,7 +6454,7 @@
         <p:spPr>
           <a:xfrm>
             <a:off x="685800" y="4343400"/>
-            <a:ext cx="5481360" cy="4109760"/>
+            <a:ext cx="5481000" cy="4109400"/>
           </a:xfrm>
           <a:prstGeom prst="rect">
             <a:avLst/>
@@ -6488,7 +6488,7 @@
         <p:spPr>
           <a:xfrm>
             <a:off x="3884760" y="8685360"/>
-            <a:ext cx="2966760" cy="452160"/>
+            <a:ext cx="2966400" cy="451800"/>
           </a:xfrm>
           <a:prstGeom prst="rect">
             <a:avLst/>
@@ -6524,7 +6524,7 @@
               </a:lnSpc>
               <a:buNone/>
             </a:pPr>
-            <a:fld id="{50F90735-4279-4154-8EE8-2294F61DADBC}" type="slidenum">
+            <a:fld id="{867A5859-9170-4CDF-B293-51A07A624844}" type="slidenum">
               <a:rPr b="0" lang="en-US" sz="1200" spc="-1" strike="noStrike">
                 <a:solidFill>
                   <a:srgbClr val="000000"/>
@@ -6575,7 +6575,7 @@
         <p:spPr>
           <a:xfrm>
             <a:off x="380880" y="685800"/>
-            <a:ext cx="6090840" cy="3423960"/>
+            <a:ext cx="6090480" cy="3423600"/>
           </a:xfrm>
           <a:prstGeom prst="rect">
             <a:avLst/>
@@ -6598,7 +6598,7 @@
         <p:spPr>
           <a:xfrm>
             <a:off x="685800" y="4343400"/>
-            <a:ext cx="5481360" cy="4109760"/>
+            <a:ext cx="5481000" cy="4109400"/>
           </a:xfrm>
           <a:prstGeom prst="rect">
             <a:avLst/>
@@ -6632,7 +6632,7 @@
         <p:spPr>
           <a:xfrm>
             <a:off x="3884760" y="8685360"/>
-            <a:ext cx="2966760" cy="452160"/>
+            <a:ext cx="2966400" cy="451800"/>
           </a:xfrm>
           <a:prstGeom prst="rect">
             <a:avLst/>
@@ -6668,7 +6668,7 @@
               </a:lnSpc>
               <a:buNone/>
             </a:pPr>
-            <a:fld id="{E93F97D5-47B6-4CD8-8891-952390D3DC6A}" type="slidenum">
+            <a:fld id="{3103B7D7-35CB-4B09-A10C-61952657E47F}" type="slidenum">
               <a:rPr b="0" lang="en-US" sz="1200" spc="-1" strike="noStrike">
                 <a:solidFill>
                   <a:srgbClr val="000000"/>
@@ -6740,7 +6740,7 @@
         <p:txBody>
           <a:bodyPr/>
           <a:p>
-            <a:fld id="{92EE48BA-7AC1-4E8C-85E7-C679D110CF85}" type="slidenum">
+            <a:fld id="{52615198-27D5-48C6-8FFF-507981045D64}" type="slidenum">
               <a:t>&lt;#&gt;</a:t>
             </a:fld>
           </a:p>
@@ -6928,7 +6928,7 @@
         <p:txBody>
           <a:bodyPr/>
           <a:p>
-            <a:fld id="{8ADACF2D-2389-48AB-B85A-8C6641EE2843}" type="slidenum">
+            <a:fld id="{F174F843-8BD3-4A70-9325-30DF73AE2877}" type="slidenum">
               <a:t>&lt;#&gt;</a:t>
             </a:fld>
           </a:p>
@@ -7184,7 +7184,7 @@
         <p:txBody>
           <a:bodyPr/>
           <a:p>
-            <a:fld id="{6C757067-97BC-45E4-B166-5EEFFAEDCA08}" type="slidenum">
+            <a:fld id="{E1BF3A15-916F-4E01-9BF8-1D1F55ED3EEB}" type="slidenum">
               <a:t>&lt;#&gt;</a:t>
             </a:fld>
           </a:p>
@@ -7508,7 +7508,7 @@
         <p:txBody>
           <a:bodyPr/>
           <a:p>
-            <a:fld id="{A086714E-2295-4E43-BB20-5454930C730C}" type="slidenum">
+            <a:fld id="{288C9B91-D20A-4723-BCA6-B551786B5D70}" type="slidenum">
               <a:t>&lt;#&gt;</a:t>
             </a:fld>
           </a:p>
@@ -7665,7 +7665,7 @@
         <p:txBody>
           <a:bodyPr/>
           <a:p>
-            <a:fld id="{7919E723-F86D-441A-AA1F-DCA7C1D73C62}" type="slidenum">
+            <a:fld id="{8E77A0BE-D787-4592-ADE7-A2DDD2DF3340}" type="slidenum">
               <a:t>&lt;#&gt;</a:t>
             </a:fld>
           </a:p>
@@ -7819,7 +7819,7 @@
         <p:txBody>
           <a:bodyPr/>
           <a:p>
-            <a:fld id="{EEBF829F-A98E-4A88-8F33-BEB13734310C}" type="slidenum">
+            <a:fld id="{04DA8307-F8E8-4F31-91B1-2BFBA704B338}" type="slidenum">
               <a:t>&lt;#&gt;</a:t>
             </a:fld>
           </a:p>
@@ -8007,7 +8007,7 @@
         <p:txBody>
           <a:bodyPr/>
           <a:p>
-            <a:fld id="{2C06A793-CE8E-4EB3-800A-BBCD0AD28F50}" type="slidenum">
+            <a:fld id="{4C3149B5-E1C6-4E09-B0D1-73E77E00D8F3}" type="slidenum">
               <a:t>&lt;#&gt;</a:t>
             </a:fld>
           </a:p>
@@ -8127,7 +8127,7 @@
         <p:txBody>
           <a:bodyPr/>
           <a:p>
-            <a:fld id="{A900A738-822F-47A4-AA02-0FF4BAC68CC6}" type="slidenum">
+            <a:fld id="{823BABBA-99AE-4563-AA5E-AC607AE61918}" type="slidenum">
               <a:t>&lt;#&gt;</a:t>
             </a:fld>
           </a:p>
@@ -8247,7 +8247,7 @@
         <p:txBody>
           <a:bodyPr/>
           <a:p>
-            <a:fld id="{806D7254-F822-4E69-9481-6A420BAE001A}" type="slidenum">
+            <a:fld id="{8240CC8E-1094-49BB-9B03-F8750E160E80}" type="slidenum">
               <a:t>&lt;#&gt;</a:t>
             </a:fld>
           </a:p>
@@ -8469,7 +8469,7 @@
         <p:txBody>
           <a:bodyPr/>
           <a:p>
-            <a:fld id="{14892878-DCDA-420B-B28A-DD3CDB4ACC89}" type="slidenum">
+            <a:fld id="{440659B5-3E4C-4B14-8C30-57ED0B7756EA}" type="slidenum">
               <a:t>&lt;#&gt;</a:t>
             </a:fld>
           </a:p>
@@ -8691,7 +8691,7 @@
         <p:txBody>
           <a:bodyPr/>
           <a:p>
-            <a:fld id="{C8AAD2F5-FA78-4D8D-AA01-E2893BF2FC98}" type="slidenum">
+            <a:fld id="{DE00F809-2374-49E5-B227-376F73E91CA8}" type="slidenum">
               <a:t>&lt;#&gt;</a:t>
             </a:fld>
           </a:p>
@@ -8913,7 +8913,7 @@
         <p:txBody>
           <a:bodyPr/>
           <a:p>
-            <a:fld id="{3410E941-4F72-437D-8010-2053F5E55534}" type="slidenum">
+            <a:fld id="{97EE45A4-A3D6-45AA-ADFE-DBC8F409E10F}" type="slidenum">
               <a:t>&lt;#&gt;</a:t>
             </a:fld>
           </a:p>
@@ -8982,7 +8982,7 @@
         <p:spPr>
           <a:xfrm>
             <a:off x="3028680" y="4771440"/>
-            <a:ext cx="3081600" cy="269640"/>
+            <a:ext cx="3081240" cy="269280"/>
           </a:xfrm>
           <a:prstGeom prst="rect">
             <a:avLst/>
@@ -9026,7 +9026,7 @@
                 <a:latin typeface="Times New Roman"/>
                 <a:ea typeface="DejaVu Sans"/>
               </a:rPr>
-              <a:t> </a:t>
+              <a:t>&lt;footer&gt;</a:t>
             </a:r>
             <a:endParaRPr b="0" lang="en-US" sz="1400" spc="-1" strike="noStrike">
               <a:latin typeface="Times New Roman"/>
@@ -9047,7 +9047,7 @@
         <p:spPr>
           <a:xfrm>
             <a:off x="6457680" y="4771440"/>
-            <a:ext cx="2053080" cy="269640"/>
+            <a:ext cx="2052720" cy="269280"/>
           </a:xfrm>
           <a:prstGeom prst="rect">
             <a:avLst/>
@@ -9083,7 +9083,7 @@
               </a:lnSpc>
               <a:buNone/>
             </a:pPr>
-            <a:fld id="{A9D70814-1D41-41CF-91D5-0588655CB765}" type="slidenum">
+            <a:fld id="{FFB558B0-6B85-4F3C-B47B-5A6866C10286}" type="slidenum">
               <a:rPr b="0" lang="en-US" sz="1200" spc="-1" strike="noStrike">
                 <a:solidFill>
                   <a:srgbClr val="8b8b8b"/>
@@ -9091,7 +9091,7 @@
                 <a:latin typeface="Calibri"/>
                 <a:ea typeface="DejaVu Sans"/>
               </a:rPr>
-              <a:t>43</a:t>
+              <a:t>&lt;number&gt;</a:t>
             </a:fld>
             <a:endParaRPr b="0" lang="en-US" sz="1200" spc="-1" strike="noStrike">
               <a:latin typeface="Times New Roman"/>
@@ -9112,7 +9112,7 @@
         <p:spPr>
           <a:xfrm>
             <a:off x="628200" y="4771440"/>
-            <a:ext cx="2053080" cy="269640"/>
+            <a:ext cx="2052720" cy="269280"/>
           </a:xfrm>
           <a:prstGeom prst="rect">
             <a:avLst/>
@@ -9138,7 +9138,7 @@
               <a:rPr b="0" lang="en-US" sz="1400" spc="-1" strike="noStrike">
                 <a:latin typeface="Times New Roman"/>
               </a:rPr>
-              <a:t> </a:t>
+              <a:t>&lt;date/time&gt;</a:t>
             </a:r>
             <a:endParaRPr b="0" lang="en-US" sz="1400" spc="-1" strike="noStrike">
               <a:latin typeface="Times New Roman"/>
@@ -9424,8 +9424,8 @@
         </p:nvSpPr>
         <p:spPr>
           <a:xfrm rot="2744400">
-            <a:off x="-280080" y="-25560"/>
-            <a:ext cx="703800" cy="703440"/>
+            <a:off x="-279720" y="-25560"/>
+            <a:ext cx="703440" cy="703080"/>
           </a:xfrm>
           <a:prstGeom prst="roundRect">
             <a:avLst>
@@ -9462,8 +9462,8 @@
         </p:nvSpPr>
         <p:spPr>
           <a:xfrm rot="2625600">
-            <a:off x="6024960" y="4332600"/>
-            <a:ext cx="467640" cy="467640"/>
+            <a:off x="6024960" y="4332240"/>
+            <a:ext cx="467280" cy="467280"/>
           </a:xfrm>
           <a:prstGeom prst="roundRect">
             <a:avLst>
@@ -9500,8 +9500,8 @@
         </p:nvSpPr>
         <p:spPr>
           <a:xfrm rot="18679200">
-            <a:off x="7003440" y="948600"/>
-            <a:ext cx="4939200" cy="4665600"/>
+            <a:off x="7003080" y="948600"/>
+            <a:ext cx="4938840" cy="4665240"/>
           </a:xfrm>
           <a:prstGeom prst="roundRect">
             <a:avLst>
@@ -9539,7 +9539,7 @@
         <p:spPr>
           <a:xfrm>
             <a:off x="459720" y="4671360"/>
-            <a:ext cx="2994840" cy="265680"/>
+            <a:ext cx="2994480" cy="265320"/>
           </a:xfrm>
           <a:prstGeom prst="rect">
             <a:avLst/>
@@ -9604,8 +9604,8 @@
         </p:blipFill>
         <p:spPr>
           <a:xfrm>
-            <a:off x="2423160" y="4671720"/>
-            <a:ext cx="287280" cy="287280"/>
+            <a:off x="3035160" y="4743720"/>
+            <a:ext cx="286920" cy="286920"/>
           </a:xfrm>
           <a:prstGeom prst="rect">
             <a:avLst/>
@@ -9624,7 +9624,7 @@
         <p:spPr>
           <a:xfrm>
             <a:off x="484920" y="1681560"/>
-            <a:ext cx="5480280" cy="1881720"/>
+            <a:ext cx="5479920" cy="1881360"/>
           </a:xfrm>
           <a:prstGeom prst="rect">
             <a:avLst/>
@@ -9712,8 +9712,8 @@
         </p:nvSpPr>
         <p:spPr>
           <a:xfrm rot="2744400">
-            <a:off x="-280080" y="-25560"/>
-            <a:ext cx="703800" cy="703440"/>
+            <a:off x="-279720" y="-25560"/>
+            <a:ext cx="703440" cy="703080"/>
           </a:xfrm>
           <a:prstGeom prst="roundRect">
             <a:avLst>
@@ -9751,7 +9751,7 @@
         <p:spPr>
           <a:xfrm rot="2332200">
             <a:off x="6009120" y="-319680"/>
-            <a:ext cx="4854960" cy="7725960"/>
+            <a:ext cx="4854600" cy="7725600"/>
           </a:xfrm>
           <a:prstGeom prst="roundRect">
             <a:avLst>
@@ -9789,9 +9789,9 @@
         <p:grpSpPr>
           <a:xfrm>
             <a:off x="4571640" y="828000"/>
-            <a:ext cx="4467600" cy="3563640"/>
+            <a:ext cx="4467240" cy="3563280"/>
             <a:chOff x="4571640" y="828000"/>
-            <a:chExt cx="4467600" cy="3563640"/>
+            <a:chExt cx="4467240" cy="3563280"/>
           </a:xfrm>
         </p:grpSpPr>
         <p:pic>
@@ -9807,7 +9807,7 @@
           <p:spPr>
             <a:xfrm>
               <a:off x="4571640" y="828000"/>
-              <a:ext cx="4467600" cy="3563640"/>
+              <a:ext cx="4467240" cy="3563280"/>
             </a:xfrm>
             <a:prstGeom prst="rect">
               <a:avLst/>
@@ -9825,8 +9825,8 @@
           </p:nvSpPr>
           <p:spPr>
             <a:xfrm rot="16200000">
-              <a:off x="5962680" y="1159560"/>
-              <a:ext cx="1736640" cy="2770560"/>
+              <a:off x="5962680" y="1159920"/>
+              <a:ext cx="1736280" cy="2770200"/>
             </a:xfrm>
             <a:prstGeom prst="roundRect">
               <a:avLst>
@@ -9893,7 +9893,7 @@
         <p:spPr>
           <a:xfrm>
             <a:off x="5446080" y="1672200"/>
-            <a:ext cx="2770200" cy="1736640"/>
+            <a:ext cx="2769840" cy="1736280"/>
           </a:xfrm>
           <a:prstGeom prst="rect">
             <a:avLst/>
@@ -9945,7 +9945,7 @@
         <p:spPr>
           <a:xfrm>
             <a:off x="586440" y="1246680"/>
-            <a:ext cx="4003560" cy="3599280"/>
+            <a:ext cx="4003200" cy="3598920"/>
           </a:xfrm>
           <a:prstGeom prst="rect">
             <a:avLst/>
@@ -9997,7 +9997,7 @@
         <p:spPr>
           <a:xfrm>
             <a:off x="586440" y="453960"/>
-            <a:ext cx="4763520" cy="854640"/>
+            <a:ext cx="4763160" cy="854280"/>
           </a:xfrm>
           <a:prstGeom prst="rect">
             <a:avLst/>
@@ -10085,8 +10085,8 @@
         </p:nvSpPr>
         <p:spPr>
           <a:xfrm rot="2745600">
-            <a:off x="8349840" y="-668160"/>
-            <a:ext cx="1497600" cy="1497600"/>
+            <a:off x="8349840" y="-667800"/>
+            <a:ext cx="1497240" cy="1497240"/>
           </a:xfrm>
           <a:prstGeom prst="roundRect">
             <a:avLst>
@@ -10124,7 +10124,7 @@
         <p:spPr>
           <a:xfrm rot="2745600">
             <a:off x="7634160" y="-322200"/>
-            <a:ext cx="806400" cy="806760"/>
+            <a:ext cx="806040" cy="806400"/>
           </a:xfrm>
           <a:prstGeom prst="roundRect">
             <a:avLst>
@@ -10163,7 +10163,7 @@
         <p:spPr>
           <a:xfrm>
             <a:off x="586440" y="899640"/>
-            <a:ext cx="7931160" cy="1536480"/>
+            <a:ext cx="7930800" cy="1536120"/>
           </a:xfrm>
           <a:prstGeom prst="rect">
             <a:avLst/>
@@ -10215,7 +10215,7 @@
         <p:spPr>
           <a:xfrm>
             <a:off x="608040" y="2545560"/>
-            <a:ext cx="3711600" cy="2255040"/>
+            <a:ext cx="3711240" cy="2254680"/>
           </a:xfrm>
           <a:prstGeom prst="rect">
             <a:avLst/>
@@ -10267,7 +10267,7 @@
         <p:spPr>
           <a:xfrm>
             <a:off x="4806360" y="2545560"/>
-            <a:ext cx="3711600" cy="2255040"/>
+            <a:ext cx="3711240" cy="2254680"/>
           </a:xfrm>
           <a:prstGeom prst="rect">
             <a:avLst/>
@@ -10319,7 +10319,7 @@
         <p:spPr>
           <a:xfrm>
             <a:off x="583200" y="450720"/>
-            <a:ext cx="7197480" cy="511560"/>
+            <a:ext cx="7197120" cy="511200"/>
           </a:xfrm>
           <a:prstGeom prst="rect">
             <a:avLst/>
@@ -10401,7 +10401,7 @@
         <p:spPr>
           <a:xfrm>
             <a:off x="586440" y="1246680"/>
-            <a:ext cx="4003560" cy="3599280"/>
+            <a:ext cx="4003200" cy="3598920"/>
           </a:xfrm>
           <a:prstGeom prst="rect">
             <a:avLst/>
@@ -10453,7 +10453,7 @@
         <p:spPr>
           <a:xfrm>
             <a:off x="559800" y="446040"/>
-            <a:ext cx="4282920" cy="682920"/>
+            <a:ext cx="4282560" cy="682560"/>
           </a:xfrm>
           <a:prstGeom prst="rect">
             <a:avLst/>
@@ -10505,7 +10505,7 @@
         <p:spPr>
           <a:xfrm>
             <a:off x="5097600" y="360"/>
-            <a:ext cx="4379040" cy="5143320"/>
+            <a:ext cx="4378680" cy="5142960"/>
           </a:xfrm>
           <a:prstGeom prst="roundRect">
             <a:avLst>
@@ -10570,8 +10570,8 @@
         </p:nvSpPr>
         <p:spPr>
           <a:xfrm rot="2744400">
-            <a:off x="-280080" y="-25560"/>
-            <a:ext cx="703800" cy="703440"/>
+            <a:off x="-279720" y="-25560"/>
+            <a:ext cx="703440" cy="703080"/>
           </a:xfrm>
           <a:prstGeom prst="roundRect">
             <a:avLst>
@@ -10608,8 +10608,8 @@
         </p:nvSpPr>
         <p:spPr>
           <a:xfrm rot="2625600">
-            <a:off x="4861080" y="4146480"/>
-            <a:ext cx="467640" cy="467640"/>
+            <a:off x="4861080" y="4146120"/>
+            <a:ext cx="467280" cy="467280"/>
           </a:xfrm>
           <a:prstGeom prst="roundRect">
             <a:avLst>
@@ -10683,8 +10683,8 @@
         </p:nvSpPr>
         <p:spPr>
           <a:xfrm rot="2744400">
-            <a:off x="-349200" y="4539600"/>
-            <a:ext cx="703800" cy="703440"/>
+            <a:off x="-348840" y="4539240"/>
+            <a:ext cx="703440" cy="703080"/>
           </a:xfrm>
           <a:prstGeom prst="roundRect">
             <a:avLst>
@@ -10721,8 +10721,8 @@
         </p:nvSpPr>
         <p:spPr>
           <a:xfrm rot="19228200">
-            <a:off x="5845680" y="-2265840"/>
-            <a:ext cx="4854600" cy="7725600"/>
+            <a:off x="5845680" y="-2265480"/>
+            <a:ext cx="4854240" cy="7725240"/>
           </a:xfrm>
           <a:prstGeom prst="roundRect">
             <a:avLst>
@@ -10760,9 +10760,9 @@
         <p:grpSpPr>
           <a:xfrm>
             <a:off x="4571640" y="828000"/>
-            <a:ext cx="4467600" cy="3563640"/>
+            <a:ext cx="4467240" cy="3563280"/>
             <a:chOff x="4571640" y="828000"/>
-            <a:chExt cx="4467600" cy="3563640"/>
+            <a:chExt cx="4467240" cy="3563280"/>
           </a:xfrm>
         </p:grpSpPr>
         <p:pic>
@@ -10778,7 +10778,7 @@
           <p:spPr>
             <a:xfrm>
               <a:off x="4571640" y="828000"/>
-              <a:ext cx="4467600" cy="3563640"/>
+              <a:ext cx="4467240" cy="3563280"/>
             </a:xfrm>
             <a:prstGeom prst="rect">
               <a:avLst/>
@@ -10796,8 +10796,8 @@
           </p:nvSpPr>
           <p:spPr>
             <a:xfrm rot="16200000">
-              <a:off x="5962680" y="1159560"/>
-              <a:ext cx="1736640" cy="2770560"/>
+              <a:off x="5962680" y="1159920"/>
+              <a:ext cx="1736280" cy="2770200"/>
             </a:xfrm>
             <a:prstGeom prst="roundRect">
               <a:avLst>
@@ -10864,7 +10864,7 @@
         <p:spPr>
           <a:xfrm>
             <a:off x="586440" y="1246680"/>
-            <a:ext cx="4003560" cy="3599280"/>
+            <a:ext cx="4003200" cy="3598920"/>
           </a:xfrm>
           <a:prstGeom prst="rect">
             <a:avLst/>
@@ -10916,7 +10916,7 @@
         <p:spPr>
           <a:xfrm>
             <a:off x="5446080" y="1672200"/>
-            <a:ext cx="2779560" cy="1736640"/>
+            <a:ext cx="2779200" cy="1736280"/>
           </a:xfrm>
           <a:prstGeom prst="rect">
             <a:avLst/>
@@ -10968,7 +10968,7 @@
         <p:spPr>
           <a:xfrm>
             <a:off x="586440" y="453960"/>
-            <a:ext cx="3696120" cy="854640"/>
+            <a:ext cx="3695760" cy="854280"/>
           </a:xfrm>
           <a:prstGeom prst="rect">
             <a:avLst/>
@@ -11057,7 +11057,7 @@
         <p:spPr>
           <a:xfrm>
             <a:off x="4222080" y="1246680"/>
-            <a:ext cx="4114440" cy="3599280"/>
+            <a:ext cx="4114080" cy="3598920"/>
           </a:xfrm>
           <a:prstGeom prst="rect">
             <a:avLst/>
@@ -11108,8 +11108,8 @@
         </p:nvSpPr>
         <p:spPr>
           <a:xfrm rot="16200000">
-            <a:off x="-2181600" y="1734120"/>
-            <a:ext cx="5143320" cy="1683360"/>
+            <a:off x="-2181600" y="1734480"/>
+            <a:ext cx="5142960" cy="1683000"/>
           </a:xfrm>
           <a:prstGeom prst="roundRect">
             <a:avLst>
@@ -11146,8 +11146,8 @@
         </p:nvSpPr>
         <p:spPr>
           <a:xfrm rot="2745000">
-            <a:off x="8575200" y="103320"/>
-            <a:ext cx="1131840" cy="1131480"/>
+            <a:off x="8575200" y="102960"/>
+            <a:ext cx="1131480" cy="1131120"/>
           </a:xfrm>
           <a:prstGeom prst="roundRect">
             <a:avLst>
@@ -11184,8 +11184,8 @@
         </p:nvSpPr>
         <p:spPr>
           <a:xfrm rot="16200000">
-            <a:off x="614880" y="919440"/>
-            <a:ext cx="3231360" cy="3313080"/>
+            <a:off x="614880" y="919800"/>
+            <a:ext cx="3231000" cy="3312720"/>
           </a:xfrm>
           <a:prstGeom prst="roundRect">
             <a:avLst>
@@ -11251,7 +11251,7 @@
         <p:spPr>
           <a:xfrm>
             <a:off x="4214160" y="456120"/>
-            <a:ext cx="4111200" cy="854640"/>
+            <a:ext cx="4110840" cy="854280"/>
           </a:xfrm>
           <a:prstGeom prst="rect">
             <a:avLst/>
@@ -11339,8 +11339,8 @@
         </p:nvSpPr>
         <p:spPr>
           <a:xfrm rot="2744400">
-            <a:off x="-280080" y="-25560"/>
-            <a:ext cx="703800" cy="703440"/>
+            <a:off x="-279720" y="-25560"/>
+            <a:ext cx="703440" cy="703080"/>
           </a:xfrm>
           <a:prstGeom prst="roundRect">
             <a:avLst>
@@ -11378,7 +11378,7 @@
         <p:spPr>
           <a:xfrm rot="2332200">
             <a:off x="6009120" y="-319680"/>
-            <a:ext cx="4854960" cy="7725960"/>
+            <a:ext cx="4854600" cy="7725600"/>
           </a:xfrm>
           <a:prstGeom prst="roundRect">
             <a:avLst>
@@ -11416,9 +11416,9 @@
         <p:grpSpPr>
           <a:xfrm>
             <a:off x="4571640" y="828000"/>
-            <a:ext cx="4467600" cy="3563640"/>
+            <a:ext cx="4467240" cy="3563280"/>
             <a:chOff x="4571640" y="828000"/>
-            <a:chExt cx="4467600" cy="3563640"/>
+            <a:chExt cx="4467240" cy="3563280"/>
           </a:xfrm>
         </p:grpSpPr>
         <p:pic>
@@ -11434,7 +11434,7 @@
           <p:spPr>
             <a:xfrm>
               <a:off x="4571640" y="828000"/>
-              <a:ext cx="4467600" cy="3563640"/>
+              <a:ext cx="4467240" cy="3563280"/>
             </a:xfrm>
             <a:prstGeom prst="rect">
               <a:avLst/>
@@ -11452,8 +11452,8 @@
           </p:nvSpPr>
           <p:spPr>
             <a:xfrm rot="16200000">
-              <a:off x="5962680" y="1159560"/>
-              <a:ext cx="1736640" cy="2770560"/>
+              <a:off x="5962680" y="1159920"/>
+              <a:ext cx="1736280" cy="2770200"/>
             </a:xfrm>
             <a:prstGeom prst="roundRect">
               <a:avLst>
@@ -11520,7 +11520,7 @@
         <p:spPr>
           <a:xfrm>
             <a:off x="5446080" y="1672200"/>
-            <a:ext cx="2770200" cy="1736640"/>
+            <a:ext cx="2769840" cy="1736280"/>
           </a:xfrm>
           <a:prstGeom prst="rect">
             <a:avLst/>
@@ -11572,7 +11572,7 @@
         <p:spPr>
           <a:xfrm>
             <a:off x="586440" y="1246680"/>
-            <a:ext cx="4003560" cy="3599280"/>
+            <a:ext cx="4003200" cy="3598920"/>
           </a:xfrm>
           <a:prstGeom prst="rect">
             <a:avLst/>
@@ -11624,7 +11624,7 @@
         <p:spPr>
           <a:xfrm>
             <a:off x="586440" y="453960"/>
-            <a:ext cx="4763520" cy="854640"/>
+            <a:ext cx="4763160" cy="854280"/>
           </a:xfrm>
           <a:prstGeom prst="rect">
             <a:avLst/>
@@ -11712,8 +11712,8 @@
         </p:nvSpPr>
         <p:spPr>
           <a:xfrm rot="2745600">
-            <a:off x="8349840" y="-668160"/>
-            <a:ext cx="1497600" cy="1497600"/>
+            <a:off x="8349840" y="-667800"/>
+            <a:ext cx="1497240" cy="1497240"/>
           </a:xfrm>
           <a:prstGeom prst="roundRect">
             <a:avLst>
@@ -11751,7 +11751,7 @@
         <p:spPr>
           <a:xfrm rot="2745600">
             <a:off x="7634160" y="-322200"/>
-            <a:ext cx="806400" cy="806760"/>
+            <a:ext cx="806040" cy="806400"/>
           </a:xfrm>
           <a:prstGeom prst="roundRect">
             <a:avLst>
@@ -11790,7 +11790,7 @@
         <p:spPr>
           <a:xfrm>
             <a:off x="586440" y="899640"/>
-            <a:ext cx="7931160" cy="1536480"/>
+            <a:ext cx="7930800" cy="1536120"/>
           </a:xfrm>
           <a:prstGeom prst="rect">
             <a:avLst/>
@@ -11842,7 +11842,7 @@
         <p:spPr>
           <a:xfrm>
             <a:off x="608040" y="2545560"/>
-            <a:ext cx="3711600" cy="2255040"/>
+            <a:ext cx="3711240" cy="2254680"/>
           </a:xfrm>
           <a:prstGeom prst="rect">
             <a:avLst/>
@@ -11894,7 +11894,7 @@
         <p:spPr>
           <a:xfrm>
             <a:off x="4806360" y="2545560"/>
-            <a:ext cx="3711600" cy="2255040"/>
+            <a:ext cx="3711240" cy="2254680"/>
           </a:xfrm>
           <a:prstGeom prst="rect">
             <a:avLst/>
@@ -11946,7 +11946,7 @@
         <p:spPr>
           <a:xfrm>
             <a:off x="583200" y="450720"/>
-            <a:ext cx="7197480" cy="511560"/>
+            <a:ext cx="7197120" cy="511200"/>
           </a:xfrm>
           <a:prstGeom prst="rect">
             <a:avLst/>
@@ -12028,7 +12028,7 @@
         <p:spPr>
           <a:xfrm>
             <a:off x="586440" y="1246680"/>
-            <a:ext cx="4003560" cy="3599280"/>
+            <a:ext cx="4003200" cy="3598920"/>
           </a:xfrm>
           <a:prstGeom prst="rect">
             <a:avLst/>
@@ -12080,7 +12080,7 @@
         <p:spPr>
           <a:xfrm>
             <a:off x="559800" y="446040"/>
-            <a:ext cx="4282920" cy="682920"/>
+            <a:ext cx="4282560" cy="682560"/>
           </a:xfrm>
           <a:prstGeom prst="rect">
             <a:avLst/>
@@ -12132,7 +12132,7 @@
         <p:spPr>
           <a:xfrm>
             <a:off x="5097600" y="360"/>
-            <a:ext cx="4379040" cy="5143320"/>
+            <a:ext cx="4378680" cy="5142960"/>
           </a:xfrm>
           <a:prstGeom prst="roundRect">
             <a:avLst>
@@ -12197,8 +12197,8 @@
         </p:nvSpPr>
         <p:spPr>
           <a:xfrm rot="2744400">
-            <a:off x="-280080" y="-25560"/>
-            <a:ext cx="703800" cy="703440"/>
+            <a:off x="-279720" y="-25560"/>
+            <a:ext cx="703440" cy="703080"/>
           </a:xfrm>
           <a:prstGeom prst="roundRect">
             <a:avLst>
@@ -12235,8 +12235,8 @@
         </p:nvSpPr>
         <p:spPr>
           <a:xfrm rot="2625600">
-            <a:off x="4861080" y="4146480"/>
-            <a:ext cx="467640" cy="467640"/>
+            <a:off x="4861080" y="4146120"/>
+            <a:ext cx="467280" cy="467280"/>
           </a:xfrm>
           <a:prstGeom prst="roundRect">
             <a:avLst>
@@ -12310,8 +12310,8 @@
         </p:nvSpPr>
         <p:spPr>
           <a:xfrm rot="2744400">
-            <a:off x="-349200" y="4539600"/>
-            <a:ext cx="703800" cy="703440"/>
+            <a:off x="-348840" y="4539240"/>
+            <a:ext cx="703440" cy="703080"/>
           </a:xfrm>
           <a:prstGeom prst="roundRect">
             <a:avLst>
@@ -12348,8 +12348,8 @@
         </p:nvSpPr>
         <p:spPr>
           <a:xfrm rot="19228200">
-            <a:off x="5845680" y="-2265840"/>
-            <a:ext cx="4854600" cy="7725600"/>
+            <a:off x="5845680" y="-2265480"/>
+            <a:ext cx="4854240" cy="7725240"/>
           </a:xfrm>
           <a:prstGeom prst="roundRect">
             <a:avLst>
@@ -12387,9 +12387,9 @@
         <p:grpSpPr>
           <a:xfrm>
             <a:off x="4571640" y="828000"/>
-            <a:ext cx="4467600" cy="3563640"/>
+            <a:ext cx="4467240" cy="3563280"/>
             <a:chOff x="4571640" y="828000"/>
-            <a:chExt cx="4467600" cy="3563640"/>
+            <a:chExt cx="4467240" cy="3563280"/>
           </a:xfrm>
         </p:grpSpPr>
         <p:pic>
@@ -12405,7 +12405,7 @@
           <p:spPr>
             <a:xfrm>
               <a:off x="4571640" y="828000"/>
-              <a:ext cx="4467600" cy="3563640"/>
+              <a:ext cx="4467240" cy="3563280"/>
             </a:xfrm>
             <a:prstGeom prst="rect">
               <a:avLst/>
@@ -12423,8 +12423,8 @@
           </p:nvSpPr>
           <p:spPr>
             <a:xfrm rot="16200000">
-              <a:off x="5962680" y="1159560"/>
-              <a:ext cx="1736640" cy="2770560"/>
+              <a:off x="5962680" y="1159920"/>
+              <a:ext cx="1736280" cy="2770200"/>
             </a:xfrm>
             <a:prstGeom prst="roundRect">
               <a:avLst>
@@ -12491,7 +12491,7 @@
         <p:spPr>
           <a:xfrm>
             <a:off x="586440" y="1246680"/>
-            <a:ext cx="4003560" cy="3599280"/>
+            <a:ext cx="4003200" cy="3598920"/>
           </a:xfrm>
           <a:prstGeom prst="rect">
             <a:avLst/>
@@ -12543,7 +12543,7 @@
         <p:spPr>
           <a:xfrm>
             <a:off x="5446080" y="1672200"/>
-            <a:ext cx="2779560" cy="1736640"/>
+            <a:ext cx="2779200" cy="1736280"/>
           </a:xfrm>
           <a:prstGeom prst="rect">
             <a:avLst/>
@@ -12595,7 +12595,7 @@
         <p:spPr>
           <a:xfrm>
             <a:off x="586440" y="453960"/>
-            <a:ext cx="3696120" cy="854640"/>
+            <a:ext cx="3695760" cy="854280"/>
           </a:xfrm>
           <a:prstGeom prst="rect">
             <a:avLst/>
@@ -12684,7 +12684,7 @@
         <p:spPr>
           <a:xfrm>
             <a:off x="4222080" y="1246680"/>
-            <a:ext cx="4114440" cy="3599280"/>
+            <a:ext cx="4114080" cy="3598920"/>
           </a:xfrm>
           <a:prstGeom prst="rect">
             <a:avLst/>
@@ -12735,8 +12735,8 @@
         </p:nvSpPr>
         <p:spPr>
           <a:xfrm rot="16200000">
-            <a:off x="-2181600" y="1734120"/>
-            <a:ext cx="5143320" cy="1683360"/>
+            <a:off x="-2181600" y="1734480"/>
+            <a:ext cx="5142960" cy="1683000"/>
           </a:xfrm>
           <a:prstGeom prst="roundRect">
             <a:avLst>
@@ -12773,8 +12773,8 @@
         </p:nvSpPr>
         <p:spPr>
           <a:xfrm rot="2745000">
-            <a:off x="8575200" y="103320"/>
-            <a:ext cx="1131840" cy="1131480"/>
+            <a:off x="8575200" y="102960"/>
+            <a:ext cx="1131480" cy="1131120"/>
           </a:xfrm>
           <a:prstGeom prst="roundRect">
             <a:avLst>
@@ -12811,8 +12811,8 @@
         </p:nvSpPr>
         <p:spPr>
           <a:xfrm rot="16200000">
-            <a:off x="614880" y="919440"/>
-            <a:ext cx="3231360" cy="3313080"/>
+            <a:off x="614880" y="919800"/>
+            <a:ext cx="3231000" cy="3312720"/>
           </a:xfrm>
           <a:prstGeom prst="roundRect">
             <a:avLst>
@@ -12878,7 +12878,7 @@
         <p:spPr>
           <a:xfrm>
             <a:off x="4214160" y="456120"/>
-            <a:ext cx="4111200" cy="854640"/>
+            <a:ext cx="4110840" cy="854280"/>
           </a:xfrm>
           <a:prstGeom prst="rect">
             <a:avLst/>
@@ -12960,7 +12960,7 @@
         <p:spPr>
           <a:xfrm>
             <a:off x="586440" y="1246680"/>
-            <a:ext cx="4003560" cy="3599280"/>
+            <a:ext cx="4003200" cy="3598920"/>
           </a:xfrm>
           <a:prstGeom prst="rect">
             <a:avLst/>
@@ -13012,7 +13012,7 @@
         <p:spPr>
           <a:xfrm>
             <a:off x="559800" y="446040"/>
-            <a:ext cx="4282920" cy="682920"/>
+            <a:ext cx="4282560" cy="682560"/>
           </a:xfrm>
           <a:prstGeom prst="rect">
             <a:avLst/>
@@ -13064,7 +13064,7 @@
         <p:spPr>
           <a:xfrm>
             <a:off x="5097600" y="360"/>
-            <a:ext cx="4379040" cy="5143320"/>
+            <a:ext cx="4378680" cy="5142960"/>
           </a:xfrm>
           <a:prstGeom prst="roundRect">
             <a:avLst>
@@ -13129,8 +13129,8 @@
         </p:nvSpPr>
         <p:spPr>
           <a:xfrm rot="2744400">
-            <a:off x="-280080" y="-25560"/>
-            <a:ext cx="703800" cy="703440"/>
+            <a:off x="-279720" y="-25560"/>
+            <a:ext cx="703440" cy="703080"/>
           </a:xfrm>
           <a:prstGeom prst="roundRect">
             <a:avLst>
@@ -13167,8 +13167,8 @@
         </p:nvSpPr>
         <p:spPr>
           <a:xfrm rot="2625600">
-            <a:off x="4861080" y="4146480"/>
-            <a:ext cx="467640" cy="467640"/>
+            <a:off x="4861080" y="4146120"/>
+            <a:ext cx="467280" cy="467280"/>
           </a:xfrm>
           <a:prstGeom prst="roundRect">
             <a:avLst>
@@ -13242,8 +13242,8 @@
         </p:nvSpPr>
         <p:spPr>
           <a:xfrm rot="2744400">
-            <a:off x="-280080" y="-25560"/>
-            <a:ext cx="703800" cy="703440"/>
+            <a:off x="-279720" y="-25560"/>
+            <a:ext cx="703440" cy="703080"/>
           </a:xfrm>
           <a:prstGeom prst="roundRect">
             <a:avLst>
@@ -13281,7 +13281,7 @@
         <p:spPr>
           <a:xfrm rot="2332200">
             <a:off x="6009120" y="-319680"/>
-            <a:ext cx="4854960" cy="7725960"/>
+            <a:ext cx="4854600" cy="7725600"/>
           </a:xfrm>
           <a:prstGeom prst="roundRect">
             <a:avLst>
@@ -13319,9 +13319,9 @@
         <p:grpSpPr>
           <a:xfrm>
             <a:off x="4571640" y="828000"/>
-            <a:ext cx="4467600" cy="3563640"/>
+            <a:ext cx="4467240" cy="3563280"/>
             <a:chOff x="4571640" y="828000"/>
-            <a:chExt cx="4467600" cy="3563640"/>
+            <a:chExt cx="4467240" cy="3563280"/>
           </a:xfrm>
         </p:grpSpPr>
         <p:pic>
@@ -13337,7 +13337,7 @@
           <p:spPr>
             <a:xfrm>
               <a:off x="4571640" y="828000"/>
-              <a:ext cx="4467600" cy="3563640"/>
+              <a:ext cx="4467240" cy="3563280"/>
             </a:xfrm>
             <a:prstGeom prst="rect">
               <a:avLst/>
@@ -13355,8 +13355,8 @@
           </p:nvSpPr>
           <p:spPr>
             <a:xfrm rot="16200000">
-              <a:off x="5962680" y="1159560"/>
-              <a:ext cx="1736640" cy="2770560"/>
+              <a:off x="5962680" y="1159920"/>
+              <a:ext cx="1736280" cy="2770200"/>
             </a:xfrm>
             <a:prstGeom prst="roundRect">
               <a:avLst>
@@ -13423,7 +13423,7 @@
         <p:spPr>
           <a:xfrm>
             <a:off x="5446080" y="1672200"/>
-            <a:ext cx="2770200" cy="1736640"/>
+            <a:ext cx="2769840" cy="1736280"/>
           </a:xfrm>
           <a:prstGeom prst="rect">
             <a:avLst/>
@@ -13475,7 +13475,7 @@
         <p:spPr>
           <a:xfrm>
             <a:off x="586440" y="1246680"/>
-            <a:ext cx="4003560" cy="3599280"/>
+            <a:ext cx="4003200" cy="3598920"/>
           </a:xfrm>
           <a:prstGeom prst="rect">
             <a:avLst/>
@@ -13527,7 +13527,7 @@
         <p:spPr>
           <a:xfrm>
             <a:off x="586440" y="453960"/>
-            <a:ext cx="4763520" cy="854640"/>
+            <a:ext cx="4763160" cy="854280"/>
           </a:xfrm>
           <a:prstGeom prst="rect">
             <a:avLst/>
@@ -13615,8 +13615,8 @@
         </p:nvSpPr>
         <p:spPr>
           <a:xfrm rot="2745600">
-            <a:off x="8349840" y="-668160"/>
-            <a:ext cx="1497600" cy="1497600"/>
+            <a:off x="8349840" y="-667800"/>
+            <a:ext cx="1497240" cy="1497240"/>
           </a:xfrm>
           <a:prstGeom prst="roundRect">
             <a:avLst>
@@ -13654,7 +13654,7 @@
         <p:spPr>
           <a:xfrm rot="2745600">
             <a:off x="7634160" y="-322200"/>
-            <a:ext cx="806400" cy="806760"/>
+            <a:ext cx="806040" cy="806400"/>
           </a:xfrm>
           <a:prstGeom prst="roundRect">
             <a:avLst>
@@ -13693,7 +13693,7 @@
         <p:spPr>
           <a:xfrm>
             <a:off x="586440" y="899640"/>
-            <a:ext cx="7931160" cy="1536480"/>
+            <a:ext cx="7930800" cy="1536120"/>
           </a:xfrm>
           <a:prstGeom prst="rect">
             <a:avLst/>
@@ -13745,7 +13745,7 @@
         <p:spPr>
           <a:xfrm>
             <a:off x="608040" y="2545560"/>
-            <a:ext cx="3711600" cy="2255040"/>
+            <a:ext cx="3711240" cy="2254680"/>
           </a:xfrm>
           <a:prstGeom prst="rect">
             <a:avLst/>
@@ -13797,7 +13797,7 @@
         <p:spPr>
           <a:xfrm>
             <a:off x="4806360" y="2545560"/>
-            <a:ext cx="3711600" cy="2255040"/>
+            <a:ext cx="3711240" cy="2254680"/>
           </a:xfrm>
           <a:prstGeom prst="rect">
             <a:avLst/>
@@ -13849,7 +13849,7 @@
         <p:spPr>
           <a:xfrm>
             <a:off x="583200" y="450720"/>
-            <a:ext cx="7197480" cy="511560"/>
+            <a:ext cx="7197120" cy="511200"/>
           </a:xfrm>
           <a:prstGeom prst="rect">
             <a:avLst/>
@@ -13931,7 +13931,7 @@
         <p:spPr>
           <a:xfrm>
             <a:off x="586440" y="1246680"/>
-            <a:ext cx="4003560" cy="3599280"/>
+            <a:ext cx="4003200" cy="3598920"/>
           </a:xfrm>
           <a:prstGeom prst="rect">
             <a:avLst/>
@@ -13983,7 +13983,7 @@
         <p:spPr>
           <a:xfrm>
             <a:off x="559800" y="446040"/>
-            <a:ext cx="4282920" cy="682920"/>
+            <a:ext cx="4282560" cy="682560"/>
           </a:xfrm>
           <a:prstGeom prst="rect">
             <a:avLst/>
@@ -14035,7 +14035,7 @@
         <p:spPr>
           <a:xfrm>
             <a:off x="5097600" y="360"/>
-            <a:ext cx="4379040" cy="5143320"/>
+            <a:ext cx="4378680" cy="5142960"/>
           </a:xfrm>
           <a:prstGeom prst="roundRect">
             <a:avLst>
@@ -14100,8 +14100,8 @@
         </p:nvSpPr>
         <p:spPr>
           <a:xfrm rot="2744400">
-            <a:off x="-280080" y="-25560"/>
-            <a:ext cx="703800" cy="703440"/>
+            <a:off x="-279720" y="-25560"/>
+            <a:ext cx="703440" cy="703080"/>
           </a:xfrm>
           <a:prstGeom prst="roundRect">
             <a:avLst>
@@ -14138,8 +14138,8 @@
         </p:nvSpPr>
         <p:spPr>
           <a:xfrm rot="2625600">
-            <a:off x="4861080" y="4146480"/>
-            <a:ext cx="467640" cy="467640"/>
+            <a:off x="4861080" y="4146120"/>
+            <a:ext cx="467280" cy="467280"/>
           </a:xfrm>
           <a:prstGeom prst="roundRect">
             <a:avLst>
@@ -14213,8 +14213,8 @@
         </p:nvSpPr>
         <p:spPr>
           <a:xfrm rot="2744400">
-            <a:off x="-349200" y="4539600"/>
-            <a:ext cx="703800" cy="703440"/>
+            <a:off x="-348840" y="4539240"/>
+            <a:ext cx="703440" cy="703080"/>
           </a:xfrm>
           <a:prstGeom prst="roundRect">
             <a:avLst>
@@ -14251,8 +14251,8 @@
         </p:nvSpPr>
         <p:spPr>
           <a:xfrm rot="19228200">
-            <a:off x="5845680" y="-2265840"/>
-            <a:ext cx="4854600" cy="7725600"/>
+            <a:off x="5845680" y="-2265480"/>
+            <a:ext cx="4854240" cy="7725240"/>
           </a:xfrm>
           <a:prstGeom prst="roundRect">
             <a:avLst>
@@ -14290,9 +14290,9 @@
         <p:grpSpPr>
           <a:xfrm>
             <a:off x="4571640" y="828000"/>
-            <a:ext cx="4467600" cy="3563640"/>
+            <a:ext cx="4467240" cy="3563280"/>
             <a:chOff x="4571640" y="828000"/>
-            <a:chExt cx="4467600" cy="3563640"/>
+            <a:chExt cx="4467240" cy="3563280"/>
           </a:xfrm>
         </p:grpSpPr>
         <p:pic>
@@ -14308,7 +14308,7 @@
           <p:spPr>
             <a:xfrm>
               <a:off x="4571640" y="828000"/>
-              <a:ext cx="4467600" cy="3563640"/>
+              <a:ext cx="4467240" cy="3563280"/>
             </a:xfrm>
             <a:prstGeom prst="rect">
               <a:avLst/>
@@ -14326,8 +14326,8 @@
           </p:nvSpPr>
           <p:spPr>
             <a:xfrm rot="16200000">
-              <a:off x="5962680" y="1159560"/>
-              <a:ext cx="1736640" cy="2770560"/>
+              <a:off x="5962680" y="1159920"/>
+              <a:ext cx="1736280" cy="2770200"/>
             </a:xfrm>
             <a:prstGeom prst="roundRect">
               <a:avLst>
@@ -14394,7 +14394,7 @@
         <p:spPr>
           <a:xfrm>
             <a:off x="586440" y="1246680"/>
-            <a:ext cx="4003560" cy="3599280"/>
+            <a:ext cx="4003200" cy="3598920"/>
           </a:xfrm>
           <a:prstGeom prst="rect">
             <a:avLst/>
@@ -14446,7 +14446,7 @@
         <p:spPr>
           <a:xfrm>
             <a:off x="5446080" y="1672200"/>
-            <a:ext cx="2779560" cy="1736640"/>
+            <a:ext cx="2779200" cy="1736280"/>
           </a:xfrm>
           <a:prstGeom prst="rect">
             <a:avLst/>
@@ -14498,7 +14498,7 @@
         <p:spPr>
           <a:xfrm>
             <a:off x="586440" y="453960"/>
-            <a:ext cx="3696120" cy="854640"/>
+            <a:ext cx="3695760" cy="854280"/>
           </a:xfrm>
           <a:prstGeom prst="rect">
             <a:avLst/>
@@ -14587,7 +14587,7 @@
         <p:spPr>
           <a:xfrm>
             <a:off x="4222080" y="1246680"/>
-            <a:ext cx="4114440" cy="3599280"/>
+            <a:ext cx="4114080" cy="3598920"/>
           </a:xfrm>
           <a:prstGeom prst="rect">
             <a:avLst/>
@@ -14638,8 +14638,8 @@
         </p:nvSpPr>
         <p:spPr>
           <a:xfrm rot="16200000">
-            <a:off x="-2181600" y="1734120"/>
-            <a:ext cx="5143320" cy="1683360"/>
+            <a:off x="-2181600" y="1734480"/>
+            <a:ext cx="5142960" cy="1683000"/>
           </a:xfrm>
           <a:prstGeom prst="roundRect">
             <a:avLst>
@@ -14676,8 +14676,8 @@
         </p:nvSpPr>
         <p:spPr>
           <a:xfrm rot="2745000">
-            <a:off x="8575200" y="103320"/>
-            <a:ext cx="1131840" cy="1131480"/>
+            <a:off x="8575200" y="102960"/>
+            <a:ext cx="1131480" cy="1131120"/>
           </a:xfrm>
           <a:prstGeom prst="roundRect">
             <a:avLst>
@@ -14714,8 +14714,8 @@
         </p:nvSpPr>
         <p:spPr>
           <a:xfrm rot="16200000">
-            <a:off x="614880" y="919440"/>
-            <a:ext cx="3231360" cy="3313080"/>
+            <a:off x="614880" y="919800"/>
+            <a:ext cx="3231000" cy="3312720"/>
           </a:xfrm>
           <a:prstGeom prst="roundRect">
             <a:avLst>
@@ -14781,7 +14781,7 @@
         <p:spPr>
           <a:xfrm>
             <a:off x="4214160" y="456120"/>
-            <a:ext cx="4111200" cy="854640"/>
+            <a:ext cx="4110840" cy="854280"/>
           </a:xfrm>
           <a:prstGeom prst="rect">
             <a:avLst/>
@@ -14869,8 +14869,8 @@
         </p:nvSpPr>
         <p:spPr>
           <a:xfrm rot="2744400">
-            <a:off x="-280080" y="-25560"/>
-            <a:ext cx="703800" cy="703440"/>
+            <a:off x="-279720" y="-25560"/>
+            <a:ext cx="703440" cy="703080"/>
           </a:xfrm>
           <a:prstGeom prst="roundRect">
             <a:avLst>
@@ -14908,7 +14908,7 @@
         <p:spPr>
           <a:xfrm rot="2332200">
             <a:off x="6009120" y="-319680"/>
-            <a:ext cx="4854960" cy="7725960"/>
+            <a:ext cx="4854600" cy="7725600"/>
           </a:xfrm>
           <a:prstGeom prst="roundRect">
             <a:avLst>
@@ -14946,9 +14946,9 @@
         <p:grpSpPr>
           <a:xfrm>
             <a:off x="4571640" y="828000"/>
-            <a:ext cx="4467600" cy="3563640"/>
+            <a:ext cx="4467240" cy="3563280"/>
             <a:chOff x="4571640" y="828000"/>
-            <a:chExt cx="4467600" cy="3563640"/>
+            <a:chExt cx="4467240" cy="3563280"/>
           </a:xfrm>
         </p:grpSpPr>
         <p:pic>
@@ -14964,7 +14964,7 @@
           <p:spPr>
             <a:xfrm>
               <a:off x="4571640" y="828000"/>
-              <a:ext cx="4467600" cy="3563640"/>
+              <a:ext cx="4467240" cy="3563280"/>
             </a:xfrm>
             <a:prstGeom prst="rect">
               <a:avLst/>
@@ -14982,8 +14982,8 @@
           </p:nvSpPr>
           <p:spPr>
             <a:xfrm rot="16200000">
-              <a:off x="5962680" y="1159560"/>
-              <a:ext cx="1736640" cy="2770560"/>
+              <a:off x="5962680" y="1159920"/>
+              <a:ext cx="1736280" cy="2770200"/>
             </a:xfrm>
             <a:prstGeom prst="roundRect">
               <a:avLst>
@@ -15050,7 +15050,7 @@
         <p:spPr>
           <a:xfrm>
             <a:off x="5446080" y="1672200"/>
-            <a:ext cx="2770200" cy="1736640"/>
+            <a:ext cx="2769840" cy="1736280"/>
           </a:xfrm>
           <a:prstGeom prst="rect">
             <a:avLst/>
@@ -15102,7 +15102,7 @@
         <p:spPr>
           <a:xfrm>
             <a:off x="586440" y="1246680"/>
-            <a:ext cx="4003560" cy="3599280"/>
+            <a:ext cx="4003200" cy="3598920"/>
           </a:xfrm>
           <a:prstGeom prst="rect">
             <a:avLst/>
@@ -15154,7 +15154,7 @@
         <p:spPr>
           <a:xfrm>
             <a:off x="586440" y="453960"/>
-            <a:ext cx="4763520" cy="854640"/>
+            <a:ext cx="4763160" cy="854280"/>
           </a:xfrm>
           <a:prstGeom prst="rect">
             <a:avLst/>
@@ -15242,8 +15242,8 @@
         </p:nvSpPr>
         <p:spPr>
           <a:xfrm rot="2745600">
-            <a:off x="8349840" y="-668160"/>
-            <a:ext cx="1497600" cy="1497600"/>
+            <a:off x="8349840" y="-667800"/>
+            <a:ext cx="1497240" cy="1497240"/>
           </a:xfrm>
           <a:prstGeom prst="roundRect">
             <a:avLst>
@@ -15281,7 +15281,7 @@
         <p:spPr>
           <a:xfrm rot="2745600">
             <a:off x="7634160" y="-322200"/>
-            <a:ext cx="806400" cy="806760"/>
+            <a:ext cx="806040" cy="806400"/>
           </a:xfrm>
           <a:prstGeom prst="roundRect">
             <a:avLst>
@@ -15320,7 +15320,7 @@
         <p:spPr>
           <a:xfrm>
             <a:off x="586440" y="899640"/>
-            <a:ext cx="7931160" cy="1536480"/>
+            <a:ext cx="7930800" cy="1536120"/>
           </a:xfrm>
           <a:prstGeom prst="rect">
             <a:avLst/>
@@ -15372,7 +15372,7 @@
         <p:spPr>
           <a:xfrm>
             <a:off x="608040" y="2545560"/>
-            <a:ext cx="3711600" cy="2255040"/>
+            <a:ext cx="3711240" cy="2254680"/>
           </a:xfrm>
           <a:prstGeom prst="rect">
             <a:avLst/>
@@ -15424,7 +15424,7 @@
         <p:spPr>
           <a:xfrm>
             <a:off x="4806360" y="2545560"/>
-            <a:ext cx="3711600" cy="2255040"/>
+            <a:ext cx="3711240" cy="2254680"/>
           </a:xfrm>
           <a:prstGeom prst="rect">
             <a:avLst/>
@@ -15476,7 +15476,7 @@
         <p:spPr>
           <a:xfrm>
             <a:off x="583200" y="450720"/>
-            <a:ext cx="7197480" cy="511560"/>
+            <a:ext cx="7197120" cy="511200"/>
           </a:xfrm>
           <a:prstGeom prst="rect">
             <a:avLst/>
@@ -15558,7 +15558,7 @@
         <p:spPr>
           <a:xfrm>
             <a:off x="586440" y="1246680"/>
-            <a:ext cx="4003560" cy="3599280"/>
+            <a:ext cx="4003200" cy="3598920"/>
           </a:xfrm>
           <a:prstGeom prst="rect">
             <a:avLst/>
@@ -15610,7 +15610,7 @@
         <p:spPr>
           <a:xfrm>
             <a:off x="559800" y="446040"/>
-            <a:ext cx="4282920" cy="682920"/>
+            <a:ext cx="4282560" cy="682560"/>
           </a:xfrm>
           <a:prstGeom prst="rect">
             <a:avLst/>
@@ -15662,7 +15662,7 @@
         <p:spPr>
           <a:xfrm>
             <a:off x="5097600" y="360"/>
-            <a:ext cx="4379040" cy="5143320"/>
+            <a:ext cx="4378680" cy="5142960"/>
           </a:xfrm>
           <a:prstGeom prst="roundRect">
             <a:avLst>
@@ -15727,8 +15727,8 @@
         </p:nvSpPr>
         <p:spPr>
           <a:xfrm rot="2744400">
-            <a:off x="-280080" y="-25560"/>
-            <a:ext cx="703800" cy="703440"/>
+            <a:off x="-279720" y="-25560"/>
+            <a:ext cx="703440" cy="703080"/>
           </a:xfrm>
           <a:prstGeom prst="roundRect">
             <a:avLst>
@@ -15765,8 +15765,8 @@
         </p:nvSpPr>
         <p:spPr>
           <a:xfrm rot="2625600">
-            <a:off x="4861080" y="4146480"/>
-            <a:ext cx="467640" cy="467640"/>
+            <a:off x="4861080" y="4146120"/>
+            <a:ext cx="467280" cy="467280"/>
           </a:xfrm>
           <a:prstGeom prst="roundRect">
             <a:avLst>
@@ -15840,8 +15840,8 @@
         </p:nvSpPr>
         <p:spPr>
           <a:xfrm rot="2744400">
-            <a:off x="-349200" y="4539600"/>
-            <a:ext cx="703800" cy="703440"/>
+            <a:off x="-348840" y="4539240"/>
+            <a:ext cx="703440" cy="703080"/>
           </a:xfrm>
           <a:prstGeom prst="roundRect">
             <a:avLst>
@@ -15878,8 +15878,8 @@
         </p:nvSpPr>
         <p:spPr>
           <a:xfrm rot="19228200">
-            <a:off x="5845680" y="-2265840"/>
-            <a:ext cx="4854600" cy="7725600"/>
+            <a:off x="5845680" y="-2265480"/>
+            <a:ext cx="4854240" cy="7725240"/>
           </a:xfrm>
           <a:prstGeom prst="roundRect">
             <a:avLst>
@@ -15917,9 +15917,9 @@
         <p:grpSpPr>
           <a:xfrm>
             <a:off x="4571640" y="828000"/>
-            <a:ext cx="4467600" cy="3563640"/>
+            <a:ext cx="4467240" cy="3563280"/>
             <a:chOff x="4571640" y="828000"/>
-            <a:chExt cx="4467600" cy="3563640"/>
+            <a:chExt cx="4467240" cy="3563280"/>
           </a:xfrm>
         </p:grpSpPr>
         <p:pic>
@@ -15935,7 +15935,7 @@
           <p:spPr>
             <a:xfrm>
               <a:off x="4571640" y="828000"/>
-              <a:ext cx="4467600" cy="3563640"/>
+              <a:ext cx="4467240" cy="3563280"/>
             </a:xfrm>
             <a:prstGeom prst="rect">
               <a:avLst/>
@@ -15953,8 +15953,8 @@
           </p:nvSpPr>
           <p:spPr>
             <a:xfrm rot="16200000">
-              <a:off x="5962680" y="1159560"/>
-              <a:ext cx="1736640" cy="2770560"/>
+              <a:off x="5962680" y="1159920"/>
+              <a:ext cx="1736280" cy="2770200"/>
             </a:xfrm>
             <a:prstGeom prst="roundRect">
               <a:avLst>
@@ -16021,7 +16021,7 @@
         <p:spPr>
           <a:xfrm>
             <a:off x="586440" y="1246680"/>
-            <a:ext cx="4003560" cy="3599280"/>
+            <a:ext cx="4003200" cy="3598920"/>
           </a:xfrm>
           <a:prstGeom prst="rect">
             <a:avLst/>
@@ -16073,7 +16073,7 @@
         <p:spPr>
           <a:xfrm>
             <a:off x="5446080" y="1672200"/>
-            <a:ext cx="2779560" cy="1736640"/>
+            <a:ext cx="2779200" cy="1736280"/>
           </a:xfrm>
           <a:prstGeom prst="rect">
             <a:avLst/>
@@ -16125,7 +16125,7 @@
         <p:spPr>
           <a:xfrm>
             <a:off x="586440" y="453960"/>
-            <a:ext cx="3696120" cy="854640"/>
+            <a:ext cx="3695760" cy="854280"/>
           </a:xfrm>
           <a:prstGeom prst="rect">
             <a:avLst/>
@@ -16214,7 +16214,7 @@
         <p:spPr>
           <a:xfrm>
             <a:off x="4222080" y="1246680"/>
-            <a:ext cx="4114440" cy="3599280"/>
+            <a:ext cx="4114080" cy="3598920"/>
           </a:xfrm>
           <a:prstGeom prst="rect">
             <a:avLst/>
@@ -16265,8 +16265,8 @@
         </p:nvSpPr>
         <p:spPr>
           <a:xfrm rot="16200000">
-            <a:off x="-2181600" y="1734120"/>
-            <a:ext cx="5143320" cy="1683360"/>
+            <a:off x="-2181600" y="1734480"/>
+            <a:ext cx="5142960" cy="1683000"/>
           </a:xfrm>
           <a:prstGeom prst="roundRect">
             <a:avLst>
@@ -16303,8 +16303,8 @@
         </p:nvSpPr>
         <p:spPr>
           <a:xfrm rot="2745000">
-            <a:off x="8575200" y="103320"/>
-            <a:ext cx="1131840" cy="1131480"/>
+            <a:off x="8575200" y="102960"/>
+            <a:ext cx="1131480" cy="1131120"/>
           </a:xfrm>
           <a:prstGeom prst="roundRect">
             <a:avLst>
@@ -16341,8 +16341,8 @@
         </p:nvSpPr>
         <p:spPr>
           <a:xfrm rot="16200000">
-            <a:off x="614880" y="919440"/>
-            <a:ext cx="3231360" cy="3313080"/>
+            <a:off x="614880" y="919800"/>
+            <a:ext cx="3231000" cy="3312720"/>
           </a:xfrm>
           <a:prstGeom prst="roundRect">
             <a:avLst>
@@ -16408,7 +16408,7 @@
         <p:spPr>
           <a:xfrm>
             <a:off x="4214160" y="456120"/>
-            <a:ext cx="4111200" cy="854640"/>
+            <a:ext cx="4110840" cy="854280"/>
           </a:xfrm>
           <a:prstGeom prst="rect">
             <a:avLst/>
@@ -16496,8 +16496,8 @@
         </p:nvSpPr>
         <p:spPr>
           <a:xfrm rot="2744400">
-            <a:off x="-349200" y="4539600"/>
-            <a:ext cx="703800" cy="703440"/>
+            <a:off x="-348840" y="4539240"/>
+            <a:ext cx="703440" cy="703080"/>
           </a:xfrm>
           <a:prstGeom prst="roundRect">
             <a:avLst>
@@ -16534,8 +16534,8 @@
         </p:nvSpPr>
         <p:spPr>
           <a:xfrm rot="19228200">
-            <a:off x="5845680" y="-2265840"/>
-            <a:ext cx="4854600" cy="7725600"/>
+            <a:off x="5845680" y="-2265480"/>
+            <a:ext cx="4854240" cy="7725240"/>
           </a:xfrm>
           <a:prstGeom prst="roundRect">
             <a:avLst>
@@ -16573,9 +16573,9 @@
         <p:grpSpPr>
           <a:xfrm>
             <a:off x="4571640" y="828000"/>
-            <a:ext cx="4467600" cy="3563640"/>
+            <a:ext cx="4467240" cy="3563280"/>
             <a:chOff x="4571640" y="828000"/>
-            <a:chExt cx="4467600" cy="3563640"/>
+            <a:chExt cx="4467240" cy="3563280"/>
           </a:xfrm>
         </p:grpSpPr>
         <p:pic>
@@ -16591,7 +16591,7 @@
           <p:spPr>
             <a:xfrm>
               <a:off x="4571640" y="828000"/>
-              <a:ext cx="4467600" cy="3563640"/>
+              <a:ext cx="4467240" cy="3563280"/>
             </a:xfrm>
             <a:prstGeom prst="rect">
               <a:avLst/>
@@ -16609,8 +16609,8 @@
           </p:nvSpPr>
           <p:spPr>
             <a:xfrm rot="16200000">
-              <a:off x="5962680" y="1159560"/>
-              <a:ext cx="1736640" cy="2770560"/>
+              <a:off x="5962680" y="1159920"/>
+              <a:ext cx="1736280" cy="2770200"/>
             </a:xfrm>
             <a:prstGeom prst="roundRect">
               <a:avLst>
@@ -16677,7 +16677,7 @@
         <p:spPr>
           <a:xfrm>
             <a:off x="586440" y="1246680"/>
-            <a:ext cx="4003560" cy="3599280"/>
+            <a:ext cx="4003200" cy="3598920"/>
           </a:xfrm>
           <a:prstGeom prst="rect">
             <a:avLst/>
@@ -16729,7 +16729,7 @@
         <p:spPr>
           <a:xfrm>
             <a:off x="5446080" y="1672200"/>
-            <a:ext cx="2779560" cy="1736640"/>
+            <a:ext cx="2779200" cy="1736280"/>
           </a:xfrm>
           <a:prstGeom prst="rect">
             <a:avLst/>
@@ -16781,7 +16781,7 @@
         <p:spPr>
           <a:xfrm>
             <a:off x="586440" y="453960"/>
-            <a:ext cx="3696120" cy="854640"/>
+            <a:ext cx="3695760" cy="854280"/>
           </a:xfrm>
           <a:prstGeom prst="rect">
             <a:avLst/>
@@ -16869,8 +16869,8 @@
         </p:nvSpPr>
         <p:spPr>
           <a:xfrm rot="2744400">
-            <a:off x="-280080" y="-25560"/>
-            <a:ext cx="703800" cy="703440"/>
+            <a:off x="-279720" y="-25560"/>
+            <a:ext cx="703440" cy="703080"/>
           </a:xfrm>
           <a:prstGeom prst="roundRect">
             <a:avLst>
@@ -16908,7 +16908,7 @@
         <p:spPr>
           <a:xfrm rot="2332200">
             <a:off x="6009120" y="-319680"/>
-            <a:ext cx="4854960" cy="7725960"/>
+            <a:ext cx="4854600" cy="7725600"/>
           </a:xfrm>
           <a:prstGeom prst="roundRect">
             <a:avLst>
@@ -16946,9 +16946,9 @@
         <p:grpSpPr>
           <a:xfrm>
             <a:off x="4571640" y="828000"/>
-            <a:ext cx="4467600" cy="3563640"/>
+            <a:ext cx="4467240" cy="3563280"/>
             <a:chOff x="4571640" y="828000"/>
-            <a:chExt cx="4467600" cy="3563640"/>
+            <a:chExt cx="4467240" cy="3563280"/>
           </a:xfrm>
         </p:grpSpPr>
         <p:pic>
@@ -16964,7 +16964,7 @@
           <p:spPr>
             <a:xfrm>
               <a:off x="4571640" y="828000"/>
-              <a:ext cx="4467600" cy="3563640"/>
+              <a:ext cx="4467240" cy="3563280"/>
             </a:xfrm>
             <a:prstGeom prst="rect">
               <a:avLst/>
@@ -16982,8 +16982,8 @@
           </p:nvSpPr>
           <p:spPr>
             <a:xfrm rot="16200000">
-              <a:off x="5962680" y="1159560"/>
-              <a:ext cx="1736640" cy="2770560"/>
+              <a:off x="5962680" y="1159920"/>
+              <a:ext cx="1736280" cy="2770200"/>
             </a:xfrm>
             <a:prstGeom prst="roundRect">
               <a:avLst>
@@ -17050,7 +17050,7 @@
         <p:spPr>
           <a:xfrm>
             <a:off x="5446080" y="1672200"/>
-            <a:ext cx="2770200" cy="1736640"/>
+            <a:ext cx="2769840" cy="1736280"/>
           </a:xfrm>
           <a:prstGeom prst="rect">
             <a:avLst/>
@@ -17102,7 +17102,7 @@
         <p:spPr>
           <a:xfrm>
             <a:off x="586440" y="1246680"/>
-            <a:ext cx="4003560" cy="3599280"/>
+            <a:ext cx="4003200" cy="3598920"/>
           </a:xfrm>
           <a:prstGeom prst="rect">
             <a:avLst/>
@@ -17154,7 +17154,7 @@
         <p:spPr>
           <a:xfrm>
             <a:off x="586440" y="453960"/>
-            <a:ext cx="4763520" cy="854640"/>
+            <a:ext cx="4763160" cy="854280"/>
           </a:xfrm>
           <a:prstGeom prst="rect">
             <a:avLst/>
@@ -17242,8 +17242,8 @@
         </p:nvSpPr>
         <p:spPr>
           <a:xfrm rot="2745600">
-            <a:off x="8349840" y="-668160"/>
-            <a:ext cx="1497600" cy="1497600"/>
+            <a:off x="8349840" y="-667800"/>
+            <a:ext cx="1497240" cy="1497240"/>
           </a:xfrm>
           <a:prstGeom prst="roundRect">
             <a:avLst>
@@ -17281,7 +17281,7 @@
         <p:spPr>
           <a:xfrm rot="2745600">
             <a:off x="7634160" y="-322200"/>
-            <a:ext cx="806400" cy="806760"/>
+            <a:ext cx="806040" cy="806400"/>
           </a:xfrm>
           <a:prstGeom prst="roundRect">
             <a:avLst>
@@ -17320,7 +17320,7 @@
         <p:spPr>
           <a:xfrm>
             <a:off x="586440" y="899640"/>
-            <a:ext cx="7931160" cy="1536480"/>
+            <a:ext cx="7930800" cy="1536120"/>
           </a:xfrm>
           <a:prstGeom prst="rect">
             <a:avLst/>
@@ -17372,7 +17372,7 @@
         <p:spPr>
           <a:xfrm>
             <a:off x="608040" y="2545560"/>
-            <a:ext cx="3711600" cy="2255040"/>
+            <a:ext cx="3711240" cy="2254680"/>
           </a:xfrm>
           <a:prstGeom prst="rect">
             <a:avLst/>
@@ -17424,7 +17424,7 @@
         <p:spPr>
           <a:xfrm>
             <a:off x="4806360" y="2545560"/>
-            <a:ext cx="3711600" cy="2255040"/>
+            <a:ext cx="3711240" cy="2254680"/>
           </a:xfrm>
           <a:prstGeom prst="rect">
             <a:avLst/>
@@ -17476,7 +17476,7 @@
         <p:spPr>
           <a:xfrm>
             <a:off x="583200" y="450720"/>
-            <a:ext cx="7197480" cy="511560"/>
+            <a:ext cx="7197120" cy="511200"/>
           </a:xfrm>
           <a:prstGeom prst="rect">
             <a:avLst/>
@@ -17558,7 +17558,7 @@
         <p:spPr>
           <a:xfrm>
             <a:off x="586440" y="1246680"/>
-            <a:ext cx="4003560" cy="3599280"/>
+            <a:ext cx="4003200" cy="3598920"/>
           </a:xfrm>
           <a:prstGeom prst="rect">
             <a:avLst/>
@@ -17610,7 +17610,7 @@
         <p:spPr>
           <a:xfrm>
             <a:off x="559800" y="446040"/>
-            <a:ext cx="4282920" cy="682920"/>
+            <a:ext cx="4282560" cy="682560"/>
           </a:xfrm>
           <a:prstGeom prst="rect">
             <a:avLst/>
@@ -17662,7 +17662,7 @@
         <p:spPr>
           <a:xfrm>
             <a:off x="5097600" y="360"/>
-            <a:ext cx="4379040" cy="5143320"/>
+            <a:ext cx="4378680" cy="5142960"/>
           </a:xfrm>
           <a:prstGeom prst="roundRect">
             <a:avLst>
@@ -17727,8 +17727,8 @@
         </p:nvSpPr>
         <p:spPr>
           <a:xfrm rot="2744400">
-            <a:off x="-280080" y="-25560"/>
-            <a:ext cx="703800" cy="703440"/>
+            <a:off x="-279720" y="-25560"/>
+            <a:ext cx="703440" cy="703080"/>
           </a:xfrm>
           <a:prstGeom prst="roundRect">
             <a:avLst>
@@ -17765,8 +17765,8 @@
         </p:nvSpPr>
         <p:spPr>
           <a:xfrm rot="2625600">
-            <a:off x="4861080" y="4146480"/>
-            <a:ext cx="467640" cy="467640"/>
+            <a:off x="4861080" y="4146120"/>
+            <a:ext cx="467280" cy="467280"/>
           </a:xfrm>
           <a:prstGeom prst="roundRect">
             <a:avLst>
@@ -17840,8 +17840,8 @@
         </p:nvSpPr>
         <p:spPr>
           <a:xfrm rot="2744400">
-            <a:off x="-349200" y="4539600"/>
-            <a:ext cx="703800" cy="703440"/>
+            <a:off x="-348840" y="4539240"/>
+            <a:ext cx="703440" cy="703080"/>
           </a:xfrm>
           <a:prstGeom prst="roundRect">
             <a:avLst>
@@ -17878,8 +17878,8 @@
         </p:nvSpPr>
         <p:spPr>
           <a:xfrm rot="19228200">
-            <a:off x="5845680" y="-2265840"/>
-            <a:ext cx="4854600" cy="7725600"/>
+            <a:off x="5845680" y="-2265480"/>
+            <a:ext cx="4854240" cy="7725240"/>
           </a:xfrm>
           <a:prstGeom prst="roundRect">
             <a:avLst>
@@ -17917,9 +17917,9 @@
         <p:grpSpPr>
           <a:xfrm>
             <a:off x="4571640" y="828000"/>
-            <a:ext cx="4467600" cy="3563640"/>
+            <a:ext cx="4467240" cy="3563280"/>
             <a:chOff x="4571640" y="828000"/>
-            <a:chExt cx="4467600" cy="3563640"/>
+            <a:chExt cx="4467240" cy="3563280"/>
           </a:xfrm>
         </p:grpSpPr>
         <p:pic>
@@ -17935,7 +17935,7 @@
           <p:spPr>
             <a:xfrm>
               <a:off x="4571640" y="828000"/>
-              <a:ext cx="4467600" cy="3563640"/>
+              <a:ext cx="4467240" cy="3563280"/>
             </a:xfrm>
             <a:prstGeom prst="rect">
               <a:avLst/>
@@ -17953,8 +17953,8 @@
           </p:nvSpPr>
           <p:spPr>
             <a:xfrm rot="16200000">
-              <a:off x="5962680" y="1159560"/>
-              <a:ext cx="1736640" cy="2770560"/>
+              <a:off x="5962680" y="1159920"/>
+              <a:ext cx="1736280" cy="2770200"/>
             </a:xfrm>
             <a:prstGeom prst="roundRect">
               <a:avLst>
@@ -18021,7 +18021,7 @@
         <p:spPr>
           <a:xfrm>
             <a:off x="586440" y="1246680"/>
-            <a:ext cx="4003560" cy="3599280"/>
+            <a:ext cx="4003200" cy="3598920"/>
           </a:xfrm>
           <a:prstGeom prst="rect">
             <a:avLst/>
@@ -18073,7 +18073,7 @@
         <p:spPr>
           <a:xfrm>
             <a:off x="5446080" y="1672200"/>
-            <a:ext cx="2779560" cy="1736640"/>
+            <a:ext cx="2779200" cy="1736280"/>
           </a:xfrm>
           <a:prstGeom prst="rect">
             <a:avLst/>
@@ -18125,7 +18125,7 @@
         <p:spPr>
           <a:xfrm>
             <a:off x="586440" y="453960"/>
-            <a:ext cx="3696120" cy="854640"/>
+            <a:ext cx="3695760" cy="854280"/>
           </a:xfrm>
           <a:prstGeom prst="rect">
             <a:avLst/>
@@ -18214,7 +18214,7 @@
         <p:spPr>
           <a:xfrm>
             <a:off x="4222080" y="1246680"/>
-            <a:ext cx="4114440" cy="3599280"/>
+            <a:ext cx="4114080" cy="3598920"/>
           </a:xfrm>
           <a:prstGeom prst="rect">
             <a:avLst/>
@@ -18265,8 +18265,8 @@
         </p:nvSpPr>
         <p:spPr>
           <a:xfrm rot="16200000">
-            <a:off x="-2181600" y="1734120"/>
-            <a:ext cx="5143320" cy="1683360"/>
+            <a:off x="-2181600" y="1734480"/>
+            <a:ext cx="5142960" cy="1683000"/>
           </a:xfrm>
           <a:prstGeom prst="roundRect">
             <a:avLst>
@@ -18303,8 +18303,8 @@
         </p:nvSpPr>
         <p:spPr>
           <a:xfrm rot="2745000">
-            <a:off x="8575200" y="103320"/>
-            <a:ext cx="1131840" cy="1131480"/>
+            <a:off x="8575200" y="102960"/>
+            <a:ext cx="1131480" cy="1131120"/>
           </a:xfrm>
           <a:prstGeom prst="roundRect">
             <a:avLst>
@@ -18341,8 +18341,8 @@
         </p:nvSpPr>
         <p:spPr>
           <a:xfrm rot="16200000">
-            <a:off x="614880" y="919440"/>
-            <a:ext cx="3231360" cy="3313080"/>
+            <a:off x="614880" y="919800"/>
+            <a:ext cx="3231000" cy="3312720"/>
           </a:xfrm>
           <a:prstGeom prst="roundRect">
             <a:avLst>
@@ -18408,7 +18408,7 @@
         <p:spPr>
           <a:xfrm>
             <a:off x="4214160" y="456120"/>
-            <a:ext cx="4111200" cy="854640"/>
+            <a:ext cx="4110840" cy="854280"/>
           </a:xfrm>
           <a:prstGeom prst="rect">
             <a:avLst/>
@@ -18496,8 +18496,8 @@
         </p:nvSpPr>
         <p:spPr>
           <a:xfrm rot="2744400">
-            <a:off x="-280080" y="-25560"/>
-            <a:ext cx="703800" cy="703440"/>
+            <a:off x="-279720" y="-25560"/>
+            <a:ext cx="703440" cy="703080"/>
           </a:xfrm>
           <a:prstGeom prst="roundRect">
             <a:avLst>
@@ -18535,7 +18535,7 @@
         <p:spPr>
           <a:xfrm rot="2332200">
             <a:off x="6009120" y="-319680"/>
-            <a:ext cx="4854960" cy="7725960"/>
+            <a:ext cx="4854600" cy="7725600"/>
           </a:xfrm>
           <a:prstGeom prst="roundRect">
             <a:avLst>
@@ -18573,9 +18573,9 @@
         <p:grpSpPr>
           <a:xfrm>
             <a:off x="4571640" y="828000"/>
-            <a:ext cx="4467600" cy="3563640"/>
+            <a:ext cx="4467240" cy="3563280"/>
             <a:chOff x="4571640" y="828000"/>
-            <a:chExt cx="4467600" cy="3563640"/>
+            <a:chExt cx="4467240" cy="3563280"/>
           </a:xfrm>
         </p:grpSpPr>
         <p:pic>
@@ -18591,7 +18591,7 @@
           <p:spPr>
             <a:xfrm>
               <a:off x="4571640" y="828000"/>
-              <a:ext cx="4467600" cy="3563640"/>
+              <a:ext cx="4467240" cy="3563280"/>
             </a:xfrm>
             <a:prstGeom prst="rect">
               <a:avLst/>
@@ -18609,8 +18609,8 @@
           </p:nvSpPr>
           <p:spPr>
             <a:xfrm rot="16200000">
-              <a:off x="5962680" y="1159560"/>
-              <a:ext cx="1736640" cy="2770560"/>
+              <a:off x="5962680" y="1159920"/>
+              <a:ext cx="1736280" cy="2770200"/>
             </a:xfrm>
             <a:prstGeom prst="roundRect">
               <a:avLst>
@@ -18677,7 +18677,7 @@
         <p:spPr>
           <a:xfrm>
             <a:off x="5446080" y="1672200"/>
-            <a:ext cx="2770200" cy="1736640"/>
+            <a:ext cx="2769840" cy="1736280"/>
           </a:xfrm>
           <a:prstGeom prst="rect">
             <a:avLst/>
@@ -18729,7 +18729,7 @@
         <p:spPr>
           <a:xfrm>
             <a:off x="586440" y="1246680"/>
-            <a:ext cx="4003560" cy="3599280"/>
+            <a:ext cx="4003200" cy="3598920"/>
           </a:xfrm>
           <a:prstGeom prst="rect">
             <a:avLst/>
@@ -18781,7 +18781,7 @@
         <p:spPr>
           <a:xfrm>
             <a:off x="586440" y="453960"/>
-            <a:ext cx="4763520" cy="854640"/>
+            <a:ext cx="4763160" cy="854280"/>
           </a:xfrm>
           <a:prstGeom prst="rect">
             <a:avLst/>
@@ -18869,8 +18869,8 @@
         </p:nvSpPr>
         <p:spPr>
           <a:xfrm rot="2745600">
-            <a:off x="8349840" y="-668160"/>
-            <a:ext cx="1497600" cy="1497600"/>
+            <a:off x="8349840" y="-667800"/>
+            <a:ext cx="1497240" cy="1497240"/>
           </a:xfrm>
           <a:prstGeom prst="roundRect">
             <a:avLst>
@@ -18908,7 +18908,7 @@
         <p:spPr>
           <a:xfrm rot="2745600">
             <a:off x="7634160" y="-322200"/>
-            <a:ext cx="806400" cy="806760"/>
+            <a:ext cx="806040" cy="806400"/>
           </a:xfrm>
           <a:prstGeom prst="roundRect">
             <a:avLst>
@@ -18947,7 +18947,7 @@
         <p:spPr>
           <a:xfrm>
             <a:off x="586440" y="899640"/>
-            <a:ext cx="7931160" cy="1536480"/>
+            <a:ext cx="7930800" cy="1536120"/>
           </a:xfrm>
           <a:prstGeom prst="rect">
             <a:avLst/>
@@ -18999,7 +18999,7 @@
         <p:spPr>
           <a:xfrm>
             <a:off x="608040" y="2545560"/>
-            <a:ext cx="3711600" cy="2255040"/>
+            <a:ext cx="3711240" cy="2254680"/>
           </a:xfrm>
           <a:prstGeom prst="rect">
             <a:avLst/>
@@ -19051,7 +19051,7 @@
         <p:spPr>
           <a:xfrm>
             <a:off x="4806360" y="2545560"/>
-            <a:ext cx="3711600" cy="2255040"/>
+            <a:ext cx="3711240" cy="2254680"/>
           </a:xfrm>
           <a:prstGeom prst="rect">
             <a:avLst/>
@@ -19103,7 +19103,7 @@
         <p:spPr>
           <a:xfrm>
             <a:off x="583200" y="450720"/>
-            <a:ext cx="7197480" cy="511560"/>
+            <a:ext cx="7197120" cy="511200"/>
           </a:xfrm>
           <a:prstGeom prst="rect">
             <a:avLst/>
@@ -19185,7 +19185,7 @@
         <p:spPr>
           <a:xfrm>
             <a:off x="586440" y="1246680"/>
-            <a:ext cx="4003560" cy="3599280"/>
+            <a:ext cx="4003200" cy="3598920"/>
           </a:xfrm>
           <a:prstGeom prst="rect">
             <a:avLst/>
@@ -19237,7 +19237,7 @@
         <p:spPr>
           <a:xfrm>
             <a:off x="559800" y="446040"/>
-            <a:ext cx="4282920" cy="682920"/>
+            <a:ext cx="4282560" cy="682560"/>
           </a:xfrm>
           <a:prstGeom prst="rect">
             <a:avLst/>
@@ -19289,7 +19289,7 @@
         <p:spPr>
           <a:xfrm>
             <a:off x="5097600" y="360"/>
-            <a:ext cx="4379040" cy="5143320"/>
+            <a:ext cx="4378680" cy="5142960"/>
           </a:xfrm>
           <a:prstGeom prst="roundRect">
             <a:avLst>
@@ -19354,8 +19354,8 @@
         </p:nvSpPr>
         <p:spPr>
           <a:xfrm rot="2744400">
-            <a:off x="-280080" y="-25560"/>
-            <a:ext cx="703800" cy="703440"/>
+            <a:off x="-279720" y="-25560"/>
+            <a:ext cx="703440" cy="703080"/>
           </a:xfrm>
           <a:prstGeom prst="roundRect">
             <a:avLst>
@@ -19392,8 +19392,8 @@
         </p:nvSpPr>
         <p:spPr>
           <a:xfrm rot="2625600">
-            <a:off x="4861080" y="4146480"/>
-            <a:ext cx="467640" cy="467640"/>
+            <a:off x="4861080" y="4146120"/>
+            <a:ext cx="467280" cy="467280"/>
           </a:xfrm>
           <a:prstGeom prst="roundRect">
             <a:avLst>
@@ -19467,8 +19467,8 @@
         </p:nvSpPr>
         <p:spPr>
           <a:xfrm rot="2744400">
-            <a:off x="-349200" y="4539600"/>
-            <a:ext cx="703800" cy="703440"/>
+            <a:off x="-348840" y="4539240"/>
+            <a:ext cx="703440" cy="703080"/>
           </a:xfrm>
           <a:prstGeom prst="roundRect">
             <a:avLst>
@@ -19505,8 +19505,8 @@
         </p:nvSpPr>
         <p:spPr>
           <a:xfrm rot="19228200">
-            <a:off x="5845680" y="-2265840"/>
-            <a:ext cx="4854600" cy="7725600"/>
+            <a:off x="5845680" y="-2265480"/>
+            <a:ext cx="4854240" cy="7725240"/>
           </a:xfrm>
           <a:prstGeom prst="roundRect">
             <a:avLst>
@@ -19544,9 +19544,9 @@
         <p:grpSpPr>
           <a:xfrm>
             <a:off x="4571640" y="828000"/>
-            <a:ext cx="4467600" cy="3563640"/>
+            <a:ext cx="4467240" cy="3563280"/>
             <a:chOff x="4571640" y="828000"/>
-            <a:chExt cx="4467600" cy="3563640"/>
+            <a:chExt cx="4467240" cy="3563280"/>
           </a:xfrm>
         </p:grpSpPr>
         <p:pic>
@@ -19562,7 +19562,7 @@
           <p:spPr>
             <a:xfrm>
               <a:off x="4571640" y="828000"/>
-              <a:ext cx="4467600" cy="3563640"/>
+              <a:ext cx="4467240" cy="3563280"/>
             </a:xfrm>
             <a:prstGeom prst="rect">
               <a:avLst/>
@@ -19580,8 +19580,8 @@
           </p:nvSpPr>
           <p:spPr>
             <a:xfrm rot="16200000">
-              <a:off x="5962680" y="1159560"/>
-              <a:ext cx="1736640" cy="2770560"/>
+              <a:off x="5962680" y="1159920"/>
+              <a:ext cx="1736280" cy="2770200"/>
             </a:xfrm>
             <a:prstGeom prst="roundRect">
               <a:avLst>
@@ -19648,7 +19648,7 @@
         <p:spPr>
           <a:xfrm>
             <a:off x="586440" y="1246680"/>
-            <a:ext cx="4003560" cy="3599280"/>
+            <a:ext cx="4003200" cy="3598920"/>
           </a:xfrm>
           <a:prstGeom prst="rect">
             <a:avLst/>
@@ -19700,7 +19700,7 @@
         <p:spPr>
           <a:xfrm>
             <a:off x="5446080" y="1672200"/>
-            <a:ext cx="2779560" cy="1736640"/>
+            <a:ext cx="2779200" cy="1736280"/>
           </a:xfrm>
           <a:prstGeom prst="rect">
             <a:avLst/>
@@ -19752,7 +19752,7 @@
         <p:spPr>
           <a:xfrm>
             <a:off x="586440" y="453960"/>
-            <a:ext cx="3696120" cy="854640"/>
+            <a:ext cx="3695760" cy="854280"/>
           </a:xfrm>
           <a:prstGeom prst="rect">
             <a:avLst/>
@@ -19841,7 +19841,7 @@
         <p:spPr>
           <a:xfrm>
             <a:off x="4222080" y="1246680"/>
-            <a:ext cx="4114440" cy="3599280"/>
+            <a:ext cx="4114080" cy="3598920"/>
           </a:xfrm>
           <a:prstGeom prst="rect">
             <a:avLst/>
@@ -19892,8 +19892,8 @@
         </p:nvSpPr>
         <p:spPr>
           <a:xfrm rot="16200000">
-            <a:off x="-2181600" y="1734120"/>
-            <a:ext cx="5143320" cy="1683360"/>
+            <a:off x="-2181600" y="1734480"/>
+            <a:ext cx="5142960" cy="1683000"/>
           </a:xfrm>
           <a:prstGeom prst="roundRect">
             <a:avLst>
@@ -19930,8 +19930,8 @@
         </p:nvSpPr>
         <p:spPr>
           <a:xfrm rot="2745000">
-            <a:off x="8575200" y="103320"/>
-            <a:ext cx="1131840" cy="1131480"/>
+            <a:off x="8575200" y="102960"/>
+            <a:ext cx="1131480" cy="1131120"/>
           </a:xfrm>
           <a:prstGeom prst="roundRect">
             <a:avLst>
@@ -19968,8 +19968,8 @@
         </p:nvSpPr>
         <p:spPr>
           <a:xfrm rot="16200000">
-            <a:off x="614880" y="919440"/>
-            <a:ext cx="3231360" cy="3313080"/>
+            <a:off x="614880" y="919800"/>
+            <a:ext cx="3231000" cy="3312720"/>
           </a:xfrm>
           <a:prstGeom prst="roundRect">
             <a:avLst>
@@ -20035,7 +20035,7 @@
         <p:spPr>
           <a:xfrm>
             <a:off x="4214160" y="456120"/>
-            <a:ext cx="4111200" cy="854640"/>
+            <a:ext cx="4110840" cy="854280"/>
           </a:xfrm>
           <a:prstGeom prst="rect">
             <a:avLst/>
@@ -20124,7 +20124,7 @@
         <p:spPr>
           <a:xfrm>
             <a:off x="4222080" y="1246680"/>
-            <a:ext cx="4114440" cy="3599280"/>
+            <a:ext cx="4114080" cy="3598920"/>
           </a:xfrm>
           <a:prstGeom prst="rect">
             <a:avLst/>
@@ -20175,8 +20175,8 @@
         </p:nvSpPr>
         <p:spPr>
           <a:xfrm rot="16200000">
-            <a:off x="-2181600" y="1734120"/>
-            <a:ext cx="5143320" cy="1683360"/>
+            <a:off x="-2181600" y="1734480"/>
+            <a:ext cx="5142960" cy="1683000"/>
           </a:xfrm>
           <a:prstGeom prst="roundRect">
             <a:avLst>
@@ -20213,8 +20213,8 @@
         </p:nvSpPr>
         <p:spPr>
           <a:xfrm rot="2745000">
-            <a:off x="8575200" y="103320"/>
-            <a:ext cx="1131840" cy="1131480"/>
+            <a:off x="8575200" y="102960"/>
+            <a:ext cx="1131480" cy="1131120"/>
           </a:xfrm>
           <a:prstGeom prst="roundRect">
             <a:avLst>
@@ -20251,8 +20251,8 @@
         </p:nvSpPr>
         <p:spPr>
           <a:xfrm rot="16200000">
-            <a:off x="614880" y="919440"/>
-            <a:ext cx="3231360" cy="3313080"/>
+            <a:off x="614880" y="919800"/>
+            <a:ext cx="3231000" cy="3312720"/>
           </a:xfrm>
           <a:prstGeom prst="roundRect">
             <a:avLst>
@@ -20318,7 +20318,7 @@
         <p:spPr>
           <a:xfrm>
             <a:off x="4214160" y="456120"/>
-            <a:ext cx="4111200" cy="854640"/>
+            <a:ext cx="4110840" cy="854280"/>
           </a:xfrm>
           <a:prstGeom prst="rect">
             <a:avLst/>
@@ -20406,8 +20406,8 @@
         </p:nvSpPr>
         <p:spPr>
           <a:xfrm rot="2744400">
-            <a:off x="-280080" y="-25560"/>
-            <a:ext cx="703800" cy="703440"/>
+            <a:off x="-279720" y="-25560"/>
+            <a:ext cx="703440" cy="703080"/>
           </a:xfrm>
           <a:prstGeom prst="roundRect">
             <a:avLst>
@@ -20445,7 +20445,7 @@
         <p:spPr>
           <a:xfrm rot="2332200">
             <a:off x="6009120" y="-319680"/>
-            <a:ext cx="4854960" cy="7725960"/>
+            <a:ext cx="4854600" cy="7725600"/>
           </a:xfrm>
           <a:prstGeom prst="roundRect">
             <a:avLst>
@@ -20483,9 +20483,9 @@
         <p:grpSpPr>
           <a:xfrm>
             <a:off x="4571640" y="828000"/>
-            <a:ext cx="4467600" cy="3563640"/>
+            <a:ext cx="4467240" cy="3563280"/>
             <a:chOff x="4571640" y="828000"/>
-            <a:chExt cx="4467600" cy="3563640"/>
+            <a:chExt cx="4467240" cy="3563280"/>
           </a:xfrm>
         </p:grpSpPr>
         <p:pic>
@@ -20501,7 +20501,7 @@
           <p:spPr>
             <a:xfrm>
               <a:off x="4571640" y="828000"/>
-              <a:ext cx="4467600" cy="3563640"/>
+              <a:ext cx="4467240" cy="3563280"/>
             </a:xfrm>
             <a:prstGeom prst="rect">
               <a:avLst/>
@@ -20519,8 +20519,8 @@
           </p:nvSpPr>
           <p:spPr>
             <a:xfrm rot="16200000">
-              <a:off x="5962680" y="1159560"/>
-              <a:ext cx="1736640" cy="2770560"/>
+              <a:off x="5962680" y="1159920"/>
+              <a:ext cx="1736280" cy="2770200"/>
             </a:xfrm>
             <a:prstGeom prst="roundRect">
               <a:avLst>
@@ -20587,7 +20587,7 @@
         <p:spPr>
           <a:xfrm>
             <a:off x="5446080" y="1672200"/>
-            <a:ext cx="2770200" cy="1736640"/>
+            <a:ext cx="2769840" cy="1736280"/>
           </a:xfrm>
           <a:prstGeom prst="rect">
             <a:avLst/>
@@ -20639,7 +20639,7 @@
         <p:spPr>
           <a:xfrm>
             <a:off x="586440" y="1246680"/>
-            <a:ext cx="4003560" cy="3599280"/>
+            <a:ext cx="4003200" cy="3598920"/>
           </a:xfrm>
           <a:prstGeom prst="rect">
             <a:avLst/>
@@ -20691,7 +20691,7 @@
         <p:spPr>
           <a:xfrm>
             <a:off x="586440" y="453960"/>
-            <a:ext cx="4763520" cy="854640"/>
+            <a:ext cx="4763160" cy="854280"/>
           </a:xfrm>
           <a:prstGeom prst="rect">
             <a:avLst/>
@@ -20779,8 +20779,8 @@
         </p:nvSpPr>
         <p:spPr>
           <a:xfrm rot="2745600">
-            <a:off x="8349840" y="-668160"/>
-            <a:ext cx="1497600" cy="1497600"/>
+            <a:off x="8349840" y="-667800"/>
+            <a:ext cx="1497240" cy="1497240"/>
           </a:xfrm>
           <a:prstGeom prst="roundRect">
             <a:avLst>
@@ -20818,7 +20818,7 @@
         <p:spPr>
           <a:xfrm rot="2745600">
             <a:off x="7634160" y="-322200"/>
-            <a:ext cx="806400" cy="806760"/>
+            <a:ext cx="806040" cy="806400"/>
           </a:xfrm>
           <a:prstGeom prst="roundRect">
             <a:avLst>
@@ -20857,7 +20857,7 @@
         <p:spPr>
           <a:xfrm>
             <a:off x="586440" y="899640"/>
-            <a:ext cx="7931160" cy="1536480"/>
+            <a:ext cx="7930800" cy="1536120"/>
           </a:xfrm>
           <a:prstGeom prst="rect">
             <a:avLst/>
@@ -20909,7 +20909,7 @@
         <p:spPr>
           <a:xfrm>
             <a:off x="608040" y="2545560"/>
-            <a:ext cx="3711600" cy="2255040"/>
+            <a:ext cx="3711240" cy="2254680"/>
           </a:xfrm>
           <a:prstGeom prst="rect">
             <a:avLst/>
@@ -20961,7 +20961,7 @@
         <p:spPr>
           <a:xfrm>
             <a:off x="4806360" y="2545560"/>
-            <a:ext cx="3711600" cy="2255040"/>
+            <a:ext cx="3711240" cy="2254680"/>
           </a:xfrm>
           <a:prstGeom prst="rect">
             <a:avLst/>
@@ -21013,7 +21013,7 @@
         <p:spPr>
           <a:xfrm>
             <a:off x="583200" y="450720"/>
-            <a:ext cx="7197480" cy="511560"/>
+            <a:ext cx="7197120" cy="511200"/>
           </a:xfrm>
           <a:prstGeom prst="rect">
             <a:avLst/>
@@ -21095,7 +21095,7 @@
         <p:spPr>
           <a:xfrm>
             <a:off x="586440" y="1246680"/>
-            <a:ext cx="4003560" cy="3599280"/>
+            <a:ext cx="4003200" cy="3598920"/>
           </a:xfrm>
           <a:prstGeom prst="rect">
             <a:avLst/>
@@ -21147,7 +21147,7 @@
         <p:spPr>
           <a:xfrm>
             <a:off x="559800" y="446040"/>
-            <a:ext cx="4282920" cy="682920"/>
+            <a:ext cx="4282560" cy="682560"/>
           </a:xfrm>
           <a:prstGeom prst="rect">
             <a:avLst/>
@@ -21199,7 +21199,7 @@
         <p:spPr>
           <a:xfrm>
             <a:off x="5097600" y="360"/>
-            <a:ext cx="4379040" cy="5143320"/>
+            <a:ext cx="4378680" cy="5142960"/>
           </a:xfrm>
           <a:prstGeom prst="roundRect">
             <a:avLst>
@@ -21264,8 +21264,8 @@
         </p:nvSpPr>
         <p:spPr>
           <a:xfrm rot="2744400">
-            <a:off x="-280080" y="-25560"/>
-            <a:ext cx="703800" cy="703440"/>
+            <a:off x="-279720" y="-25560"/>
+            <a:ext cx="703440" cy="703080"/>
           </a:xfrm>
           <a:prstGeom prst="roundRect">
             <a:avLst>
@@ -21302,8 +21302,8 @@
         </p:nvSpPr>
         <p:spPr>
           <a:xfrm rot="2625600">
-            <a:off x="4861080" y="4146480"/>
-            <a:ext cx="467640" cy="467640"/>
+            <a:off x="4861080" y="4146120"/>
+            <a:ext cx="467280" cy="467280"/>
           </a:xfrm>
           <a:prstGeom prst="roundRect">
             <a:avLst>
@@ -21377,8 +21377,8 @@
         </p:nvSpPr>
         <p:spPr>
           <a:xfrm rot="2744400">
-            <a:off x="-349200" y="4539600"/>
-            <a:ext cx="703800" cy="703440"/>
+            <a:off x="-348840" y="4539240"/>
+            <a:ext cx="703440" cy="703080"/>
           </a:xfrm>
           <a:prstGeom prst="roundRect">
             <a:avLst>
@@ -21415,8 +21415,8 @@
         </p:nvSpPr>
         <p:spPr>
           <a:xfrm rot="19228200">
-            <a:off x="5845680" y="-2265840"/>
-            <a:ext cx="4854600" cy="7725600"/>
+            <a:off x="5845680" y="-2265480"/>
+            <a:ext cx="4854240" cy="7725240"/>
           </a:xfrm>
           <a:prstGeom prst="roundRect">
             <a:avLst>
@@ -21454,9 +21454,9 @@
         <p:grpSpPr>
           <a:xfrm>
             <a:off x="4571640" y="828000"/>
-            <a:ext cx="4467600" cy="3563640"/>
+            <a:ext cx="4467240" cy="3563280"/>
             <a:chOff x="4571640" y="828000"/>
-            <a:chExt cx="4467600" cy="3563640"/>
+            <a:chExt cx="4467240" cy="3563280"/>
           </a:xfrm>
         </p:grpSpPr>
         <p:pic>
@@ -21472,7 +21472,7 @@
           <p:spPr>
             <a:xfrm>
               <a:off x="4571640" y="828000"/>
-              <a:ext cx="4467600" cy="3563640"/>
+              <a:ext cx="4467240" cy="3563280"/>
             </a:xfrm>
             <a:prstGeom prst="rect">
               <a:avLst/>
@@ -21490,8 +21490,8 @@
           </p:nvSpPr>
           <p:spPr>
             <a:xfrm rot="16200000">
-              <a:off x="5962680" y="1159560"/>
-              <a:ext cx="1736640" cy="2770560"/>
+              <a:off x="5962680" y="1159920"/>
+              <a:ext cx="1736280" cy="2770200"/>
             </a:xfrm>
             <a:prstGeom prst="roundRect">
               <a:avLst>
@@ -21558,7 +21558,7 @@
         <p:spPr>
           <a:xfrm>
             <a:off x="586440" y="1246680"/>
-            <a:ext cx="4003560" cy="3599280"/>
+            <a:ext cx="4003200" cy="3598920"/>
           </a:xfrm>
           <a:prstGeom prst="rect">
             <a:avLst/>
@@ -21610,7 +21610,7 @@
         <p:spPr>
           <a:xfrm>
             <a:off x="5446080" y="1672200"/>
-            <a:ext cx="2779560" cy="1736640"/>
+            <a:ext cx="2779200" cy="1736280"/>
           </a:xfrm>
           <a:prstGeom prst="rect">
             <a:avLst/>
@@ -21662,7 +21662,7 @@
         <p:spPr>
           <a:xfrm>
             <a:off x="586440" y="453960"/>
-            <a:ext cx="3696120" cy="854640"/>
+            <a:ext cx="3695760" cy="854280"/>
           </a:xfrm>
           <a:prstGeom prst="rect">
             <a:avLst/>
@@ -21750,8 +21750,8 @@
         </p:nvSpPr>
         <p:spPr>
           <a:xfrm rot="2744400">
-            <a:off x="-280080" y="-25560"/>
-            <a:ext cx="703800" cy="703440"/>
+            <a:off x="-279720" y="-25560"/>
+            <a:ext cx="703440" cy="703080"/>
           </a:xfrm>
           <a:prstGeom prst="roundRect">
             <a:avLst>
@@ -21789,7 +21789,7 @@
         <p:spPr>
           <a:xfrm>
             <a:off x="569160" y="1888920"/>
-            <a:ext cx="4820400" cy="820800"/>
+            <a:ext cx="4820040" cy="820800"/>
           </a:xfrm>
           <a:prstGeom prst="rect">
             <a:avLst/>
@@ -21840,8 +21840,8 @@
         </p:nvSpPr>
         <p:spPr>
           <a:xfrm rot="18679800">
-            <a:off x="6782040" y="457920"/>
-            <a:ext cx="6249960" cy="4665600"/>
+            <a:off x="6781680" y="457920"/>
+            <a:ext cx="6249600" cy="4665240"/>
           </a:xfrm>
           <a:prstGeom prst="roundRect">
             <a:avLst>
@@ -21878,8 +21878,8 @@
         </p:nvSpPr>
         <p:spPr>
           <a:xfrm rot="2625600">
-            <a:off x="6024960" y="4332600"/>
-            <a:ext cx="467640" cy="467640"/>
+            <a:off x="6024960" y="4332240"/>
+            <a:ext cx="467280" cy="467280"/>
           </a:xfrm>
           <a:prstGeom prst="roundRect">
             <a:avLst>
@@ -21917,7 +21917,7 @@
         <p:spPr>
           <a:xfrm>
             <a:off x="1640880" y="4592880"/>
-            <a:ext cx="2994840" cy="265680"/>
+            <a:ext cx="2994480" cy="265320"/>
           </a:xfrm>
           <a:prstGeom prst="rect">
             <a:avLst/>
@@ -21979,7 +21979,7 @@
         <p:spPr>
           <a:xfrm>
             <a:off x="867240" y="3590280"/>
-            <a:ext cx="252720" cy="253080"/>
+            <a:ext cx="252360" cy="252720"/>
           </a:xfrm>
           <a:prstGeom prst="ellipse">
             <a:avLst/>
@@ -22014,7 +22014,7 @@
         <p:spPr>
           <a:xfrm>
             <a:off x="351000" y="3793320"/>
-            <a:ext cx="1285200" cy="1130760"/>
+            <a:ext cx="1284840" cy="1130400"/>
           </a:xfrm>
           <a:prstGeom prst="rect">
             <a:avLst/>
@@ -22069,8 +22069,8 @@
         </p:nvSpPr>
         <p:spPr>
           <a:xfrm rot="2744400">
-            <a:off x="-280080" y="-25560"/>
-            <a:ext cx="703800" cy="703440"/>
+            <a:off x="-279720" y="-25560"/>
+            <a:ext cx="703440" cy="703080"/>
           </a:xfrm>
           <a:prstGeom prst="roundRect">
             <a:avLst>
@@ -22108,7 +22108,7 @@
         <p:spPr>
           <a:xfrm rot="2332200">
             <a:off x="6009120" y="-319680"/>
-            <a:ext cx="4854960" cy="7725960"/>
+            <a:ext cx="4854600" cy="7725600"/>
           </a:xfrm>
           <a:prstGeom prst="roundRect">
             <a:avLst>
@@ -22146,9 +22146,9 @@
         <p:grpSpPr>
           <a:xfrm>
             <a:off x="4571640" y="828000"/>
-            <a:ext cx="4467600" cy="3563640"/>
+            <a:ext cx="4467240" cy="3563280"/>
             <a:chOff x="4571640" y="828000"/>
-            <a:chExt cx="4467600" cy="3563640"/>
+            <a:chExt cx="4467240" cy="3563280"/>
           </a:xfrm>
         </p:grpSpPr>
         <p:pic>
@@ -22164,7 +22164,7 @@
           <p:spPr>
             <a:xfrm>
               <a:off x="4571640" y="828000"/>
-              <a:ext cx="4467600" cy="3563640"/>
+              <a:ext cx="4467240" cy="3563280"/>
             </a:xfrm>
             <a:prstGeom prst="rect">
               <a:avLst/>
@@ -22182,8 +22182,8 @@
           </p:nvSpPr>
           <p:spPr>
             <a:xfrm rot="16200000">
-              <a:off x="5962680" y="1159560"/>
-              <a:ext cx="1736640" cy="2770560"/>
+              <a:off x="5962680" y="1159920"/>
+              <a:ext cx="1736280" cy="2770200"/>
             </a:xfrm>
             <a:prstGeom prst="roundRect">
               <a:avLst>
@@ -22250,7 +22250,7 @@
         <p:spPr>
           <a:xfrm>
             <a:off x="5446080" y="1672200"/>
-            <a:ext cx="2770200" cy="1736640"/>
+            <a:ext cx="2769840" cy="1736280"/>
           </a:xfrm>
           <a:prstGeom prst="rect">
             <a:avLst/>
@@ -22302,7 +22302,7 @@
         <p:spPr>
           <a:xfrm>
             <a:off x="586440" y="1246680"/>
-            <a:ext cx="4003560" cy="3599280"/>
+            <a:ext cx="4003200" cy="3598920"/>
           </a:xfrm>
           <a:prstGeom prst="rect">
             <a:avLst/>
@@ -22354,7 +22354,7 @@
         <p:spPr>
           <a:xfrm>
             <a:off x="586440" y="453960"/>
-            <a:ext cx="4763520" cy="854640"/>
+            <a:ext cx="4763160" cy="854280"/>
           </a:xfrm>
           <a:prstGeom prst="rect">
             <a:avLst/>
@@ -22442,8 +22442,8 @@
         </p:nvSpPr>
         <p:spPr>
           <a:xfrm rot="2745600">
-            <a:off x="8349840" y="-668160"/>
-            <a:ext cx="1497600" cy="1497600"/>
+            <a:off x="8349840" y="-667800"/>
+            <a:ext cx="1497240" cy="1497240"/>
           </a:xfrm>
           <a:prstGeom prst="roundRect">
             <a:avLst>
@@ -22481,7 +22481,7 @@
         <p:spPr>
           <a:xfrm rot="2745600">
             <a:off x="7634160" y="-322200"/>
-            <a:ext cx="806400" cy="806760"/>
+            <a:ext cx="806040" cy="806400"/>
           </a:xfrm>
           <a:prstGeom prst="roundRect">
             <a:avLst>
@@ -22520,7 +22520,7 @@
         <p:spPr>
           <a:xfrm>
             <a:off x="586440" y="899640"/>
-            <a:ext cx="7931160" cy="1536480"/>
+            <a:ext cx="7930800" cy="1536120"/>
           </a:xfrm>
           <a:prstGeom prst="rect">
             <a:avLst/>
@@ -22572,7 +22572,7 @@
         <p:spPr>
           <a:xfrm>
             <a:off x="608040" y="2545560"/>
-            <a:ext cx="3711600" cy="2255040"/>
+            <a:ext cx="3711240" cy="2254680"/>
           </a:xfrm>
           <a:prstGeom prst="rect">
             <a:avLst/>
@@ -22624,7 +22624,7 @@
         <p:spPr>
           <a:xfrm>
             <a:off x="4806360" y="2545560"/>
-            <a:ext cx="3711600" cy="2255040"/>
+            <a:ext cx="3711240" cy="2254680"/>
           </a:xfrm>
           <a:prstGeom prst="rect">
             <a:avLst/>
@@ -22676,7 +22676,7 @@
         <p:spPr>
           <a:xfrm>
             <a:off x="583200" y="450720"/>
-            <a:ext cx="7197480" cy="511560"/>
+            <a:ext cx="7197120" cy="511200"/>
           </a:xfrm>
           <a:prstGeom prst="rect">
             <a:avLst/>
@@ -22758,7 +22758,7 @@
         <p:spPr>
           <a:xfrm>
             <a:off x="586440" y="1246680"/>
-            <a:ext cx="4003560" cy="3599280"/>
+            <a:ext cx="4003200" cy="3598920"/>
           </a:xfrm>
           <a:prstGeom prst="rect">
             <a:avLst/>
@@ -22810,7 +22810,7 @@
         <p:spPr>
           <a:xfrm>
             <a:off x="559800" y="446040"/>
-            <a:ext cx="4282920" cy="682920"/>
+            <a:ext cx="4282560" cy="682560"/>
           </a:xfrm>
           <a:prstGeom prst="rect">
             <a:avLst/>
@@ -22862,7 +22862,7 @@
         <p:spPr>
           <a:xfrm>
             <a:off x="5097600" y="360"/>
-            <a:ext cx="4379040" cy="5143320"/>
+            <a:ext cx="4378680" cy="5142960"/>
           </a:xfrm>
           <a:prstGeom prst="roundRect">
             <a:avLst>
@@ -22927,8 +22927,8 @@
         </p:nvSpPr>
         <p:spPr>
           <a:xfrm rot="2744400">
-            <a:off x="-280080" y="-25560"/>
-            <a:ext cx="703800" cy="703440"/>
+            <a:off x="-279720" y="-25560"/>
+            <a:ext cx="703440" cy="703080"/>
           </a:xfrm>
           <a:prstGeom prst="roundRect">
             <a:avLst>
@@ -22965,8 +22965,8 @@
         </p:nvSpPr>
         <p:spPr>
           <a:xfrm rot="2625600">
-            <a:off x="4861080" y="4146480"/>
-            <a:ext cx="467640" cy="467640"/>
+            <a:off x="4861080" y="4146120"/>
+            <a:ext cx="467280" cy="467280"/>
           </a:xfrm>
           <a:prstGeom prst="roundRect">
             <a:avLst>
@@ -23040,8 +23040,8 @@
         </p:nvSpPr>
         <p:spPr>
           <a:xfrm rot="2744400">
-            <a:off x="-349200" y="4539600"/>
-            <a:ext cx="703800" cy="703440"/>
+            <a:off x="-348840" y="4539240"/>
+            <a:ext cx="703440" cy="703080"/>
           </a:xfrm>
           <a:prstGeom prst="roundRect">
             <a:avLst>
@@ -23078,8 +23078,8 @@
         </p:nvSpPr>
         <p:spPr>
           <a:xfrm rot="19228200">
-            <a:off x="5845680" y="-2265840"/>
-            <a:ext cx="4854600" cy="7725600"/>
+            <a:off x="5845680" y="-2265480"/>
+            <a:ext cx="4854240" cy="7725240"/>
           </a:xfrm>
           <a:prstGeom prst="roundRect">
             <a:avLst>
@@ -23117,9 +23117,9 @@
         <p:grpSpPr>
           <a:xfrm>
             <a:off x="4571640" y="828000"/>
-            <a:ext cx="4467600" cy="3563640"/>
+            <a:ext cx="4467240" cy="3563280"/>
             <a:chOff x="4571640" y="828000"/>
-            <a:chExt cx="4467600" cy="3563640"/>
+            <a:chExt cx="4467240" cy="3563280"/>
           </a:xfrm>
         </p:grpSpPr>
         <p:pic>
@@ -23135,7 +23135,7 @@
           <p:spPr>
             <a:xfrm>
               <a:off x="4571640" y="828000"/>
-              <a:ext cx="4467600" cy="3563640"/>
+              <a:ext cx="4467240" cy="3563280"/>
             </a:xfrm>
             <a:prstGeom prst="rect">
               <a:avLst/>
@@ -23153,8 +23153,8 @@
           </p:nvSpPr>
           <p:spPr>
             <a:xfrm rot="16200000">
-              <a:off x="5962680" y="1159560"/>
-              <a:ext cx="1736640" cy="2770560"/>
+              <a:off x="5962680" y="1159920"/>
+              <a:ext cx="1736280" cy="2770200"/>
             </a:xfrm>
             <a:prstGeom prst="roundRect">
               <a:avLst>
@@ -23221,7 +23221,7 @@
         <p:spPr>
           <a:xfrm>
             <a:off x="586440" y="1246680"/>
-            <a:ext cx="4003560" cy="3599280"/>
+            <a:ext cx="4003200" cy="3598920"/>
           </a:xfrm>
           <a:prstGeom prst="rect">
             <a:avLst/>
@@ -23273,7 +23273,7 @@
         <p:spPr>
           <a:xfrm>
             <a:off x="5446080" y="1672200"/>
-            <a:ext cx="2779560" cy="1736640"/>
+            <a:ext cx="2779200" cy="1736280"/>
           </a:xfrm>
           <a:prstGeom prst="rect">
             <a:avLst/>
@@ -23325,7 +23325,7 @@
         <p:spPr>
           <a:xfrm>
             <a:off x="586440" y="453960"/>
-            <a:ext cx="3696120" cy="854640"/>
+            <a:ext cx="3695760" cy="854280"/>
           </a:xfrm>
           <a:prstGeom prst="rect">
             <a:avLst/>
@@ -23414,7 +23414,7 @@
         <p:spPr>
           <a:xfrm>
             <a:off x="4222080" y="1246680"/>
-            <a:ext cx="4114440" cy="3599280"/>
+            <a:ext cx="4114080" cy="3598920"/>
           </a:xfrm>
           <a:prstGeom prst="rect">
             <a:avLst/>
@@ -23465,8 +23465,8 @@
         </p:nvSpPr>
         <p:spPr>
           <a:xfrm rot="16200000">
-            <a:off x="-2181600" y="1734120"/>
-            <a:ext cx="5143320" cy="1683360"/>
+            <a:off x="-2181600" y="1734480"/>
+            <a:ext cx="5142960" cy="1683000"/>
           </a:xfrm>
           <a:prstGeom prst="roundRect">
             <a:avLst>
@@ -23503,8 +23503,8 @@
         </p:nvSpPr>
         <p:spPr>
           <a:xfrm rot="2745000">
-            <a:off x="8575200" y="103320"/>
-            <a:ext cx="1131840" cy="1131480"/>
+            <a:off x="8575200" y="102960"/>
+            <a:ext cx="1131480" cy="1131120"/>
           </a:xfrm>
           <a:prstGeom prst="roundRect">
             <a:avLst>
@@ -23541,8 +23541,8 @@
         </p:nvSpPr>
         <p:spPr>
           <a:xfrm rot="16200000">
-            <a:off x="614880" y="919440"/>
-            <a:ext cx="3231360" cy="3313080"/>
+            <a:off x="614880" y="919800"/>
+            <a:ext cx="3231000" cy="3312720"/>
           </a:xfrm>
           <a:prstGeom prst="roundRect">
             <a:avLst>
@@ -23608,7 +23608,7 @@
         <p:spPr>
           <a:xfrm>
             <a:off x="4214160" y="456120"/>
-            <a:ext cx="4111200" cy="854640"/>
+            <a:ext cx="4110840" cy="854280"/>
           </a:xfrm>
           <a:prstGeom prst="rect">
             <a:avLst/>
